--- a/(1130) KLI 연구성과 및 차년도업무협의 발표자료.pptx
+++ b/(1130) KLI 연구성과 및 차년도업무협의 발표자료.pptx
@@ -1,6 +1,6 @@
 
 <file path=ppt/presentation.xml><?xml version="1.0" encoding="utf-8"?>
-<p:presentation xmlns:a="http://schemas.openxmlformats.org/drawingml/2006/main" xmlns:r="http://schemas.openxmlformats.org/officeDocument/2006/relationships" xmlns:p="http://schemas.openxmlformats.org/presentationml/2006/main" autoCompressPictures="0">
+<p:presentation xmlns:r="http://schemas.openxmlformats.org/officeDocument/2006/relationships" xmlns:c="http://schemas.openxmlformats.org/drawingml/2006/chart" xmlns:a="http://schemas.openxmlformats.org/drawingml/2006/main" xmlns:dgm="http://schemas.openxmlformats.org/drawingml/2006/diagram" xmlns:dsp="http://schemas.microsoft.com/office/drawing/2008/diagram" xmlns:p="http://schemas.openxmlformats.org/presentationml/2006/main" autoCompressPictures="0">
   <p:sldMasterIdLst>
     <p:sldMasterId id="2147483706" r:id="rId1"/>
     <p:sldMasterId id="2147483707" r:id="rId2"/>
@@ -127,22 +127,6 @@
       </a:defRPr>
     </a:lvl9pPr>
   </p:defaultTextStyle>
-  <p:extLst>
-    <p:ext uri="{EFAFB233-063F-42B5-8137-9DF3F51BA10A}">
-      <p15:sldGuideLst xmlns:p15="http://schemas.microsoft.com/office/powerpoint/2012/main">
-        <p15:guide id="1" orient="horz" pos="2157">
-          <p15:clr>
-            <a:srgbClr val="A4A3A4"/>
-          </p15:clr>
-        </p15:guide>
-        <p15:guide id="2" pos="3117">
-          <p15:clr>
-            <a:srgbClr val="A4A3A4"/>
-          </p15:clr>
-        </p15:guide>
-      </p15:sldGuideLst>
-    </p:ext>
-  </p:extLst>
 </p:presentation>
 </file>
 
@@ -19970,7 +19954,7 @@
 </file>
 
 <file path=ppt/slides/slide11.xml><?xml version="1.0" encoding="utf-8"?>
-<p:sld xmlns:a="http://schemas.openxmlformats.org/drawingml/2006/main" xmlns:r="http://schemas.openxmlformats.org/officeDocument/2006/relationships" xmlns:p="http://schemas.openxmlformats.org/presentationml/2006/main">
+<p:sld xmlns:r="http://schemas.openxmlformats.org/officeDocument/2006/relationships" xmlns:c="http://schemas.openxmlformats.org/drawingml/2006/chart" xmlns:a="http://schemas.openxmlformats.org/drawingml/2006/main" xmlns:dgm="http://schemas.openxmlformats.org/drawingml/2006/diagram" xmlns:dsp="http://schemas.microsoft.com/office/drawing/2008/diagram" xmlns:p="http://schemas.openxmlformats.org/presentationml/2006/main">
   <p:cSld>
     <p:spTree>
       <p:nvGrpSpPr>
@@ -19988,18 +19972,12 @@
       </p:grpSpPr>
       <p:sp>
         <p:nvSpPr>
-          <p:cNvPr id="2" name="제목 1">
-            <a:extLst>
-              <a:ext uri="{FF2B5EF4-FFF2-40B4-BE49-F238E27FC236}">
-                <a16:creationId xmlns:a16="http://schemas.microsoft.com/office/drawing/2014/main" id="{B0DBC9E0-11F5-4AF8-8DD9-9FF3B040C6E2}"/>
-              </a:ext>
-            </a:extLst>
-          </p:cNvPr>
+          <p:cNvPr id="2" name="제목 1"/>
           <p:cNvSpPr>
             <a:spLocks noGrp="1"/>
           </p:cNvSpPr>
           <p:nvPr>
-            <p:ph type="title"/>
+            <p:ph type="title" idx="0"/>
           </p:nvPr>
         </p:nvSpPr>
         <p:spPr/>
@@ -20007,74 +19985,879 @@
           <a:bodyPr/>
           <a:lstStyle/>
           <a:p>
-            <a:r>
-              <a:rPr lang="en-US" altLang="ko-KR" dirty="0"/>
+            <a:pPr lvl="0">
+              <a:defRPr/>
+            </a:pPr>
+            <a:r>
+              <a:rPr lang="en-US" altLang="ko-KR"/>
               <a:t>Sticky Price vs. Sticky Wage</a:t>
             </a:r>
-            <a:endParaRPr lang="ko-KR" altLang="en-US" dirty="0"/>
-          </a:p>
-        </p:txBody>
-      </p:sp>
-      <p:sp>
-        <p:nvSpPr>
-          <p:cNvPr id="3" name="내용 개체 틀 2">
-            <a:extLst>
-              <a:ext uri="{FF2B5EF4-FFF2-40B4-BE49-F238E27FC236}">
-                <a16:creationId xmlns:a16="http://schemas.microsoft.com/office/drawing/2014/main" id="{32270E7C-562E-4B34-BA06-A9B8721C9A8F}"/>
-              </a:ext>
-            </a:extLst>
-          </p:cNvPr>
-          <p:cNvSpPr>
-            <a:spLocks noGrp="1"/>
-          </p:cNvSpPr>
-          <p:nvPr>
-            <p:ph sz="half" idx="1"/>
-          </p:nvPr>
-        </p:nvSpPr>
-        <p:spPr/>
-        <p:txBody>
-          <a:bodyPr/>
-          <a:lstStyle/>
-          <a:p>
             <a:endParaRPr lang="ko-KR" altLang="en-US"/>
           </a:p>
         </p:txBody>
       </p:sp>
-      <p:sp>
-        <p:nvSpPr>
-          <p:cNvPr id="4" name="내용 개체 틀 3">
-            <a:extLst>
-              <a:ext uri="{FF2B5EF4-FFF2-40B4-BE49-F238E27FC236}">
-                <a16:creationId xmlns:a16="http://schemas.microsoft.com/office/drawing/2014/main" id="{158E0485-4EA7-4758-9F85-93AA2708FB64}"/>
-              </a:ext>
-            </a:extLst>
-          </p:cNvPr>
-          <p:cNvSpPr>
-            <a:spLocks noGrp="1"/>
-          </p:cNvSpPr>
-          <p:nvPr>
-            <p:ph sz="half" idx="2"/>
-          </p:nvPr>
-        </p:nvSpPr>
-        <p:spPr/>
-        <p:txBody>
-          <a:bodyPr/>
-          <a:lstStyle/>
-          <a:p>
-            <a:endParaRPr lang="ko-KR" altLang="en-US"/>
-          </a:p>
-        </p:txBody>
-      </p:sp>
+      <p:graphicFrame>
+        <p:nvGraphicFramePr>
+          <p:cNvPr id="5" name="표 4"/>
+          <p:cNvGraphicFramePr>
+            <a:graphicFrameLocks noGrp="1"/>
+          </p:cNvGraphicFramePr>
+          <p:nvPr/>
+        </p:nvGraphicFramePr>
+        <p:xfrm>
+          <a:off x="0" y="1808535"/>
+          <a:ext cx="4291852" cy="4375114"/>
+        </p:xfrm>
+        <a:graphic>
+          <a:graphicData uri="http://schemas.openxmlformats.org/drawingml/2006/table">
+            <a:tbl>
+              <a:tblPr firstRow="1" bandRow="1"/>
+              <a:tblGrid>
+                <a:gridCol w="1072446"/>
+                <a:gridCol w="1939073"/>
+                <a:gridCol w="1280333"/>
+              </a:tblGrid>
+              <a:tr h="886058">
+                <a:tc gridSpan="3">
+                  <a:txBody>
+                    <a:bodyPr vert="horz" wrap="square" lIns="91440" tIns="45720" rIns="91440" bIns="45720" anchor="ctr" anchorCtr="0">
+                      <a:spAutoFit/>
+                    </a:bodyPr>
+                    <a:p>
+                      <a:pPr marL="12700" marR="12700" lvl="0" algn="ctr">
+                        <a:lnSpc>
+                          <a:spcPct val="130000"/>
+                        </a:lnSpc>
+                        <a:spcBef>
+                          <a:spcPts val="0"/>
+                        </a:spcBef>
+                        <a:spcAft>
+                          <a:spcPts val="0"/>
+                        </a:spcAft>
+                        <a:defRPr/>
+                      </a:pPr>
+                      <a:r>
+                        <a:rPr xmlns:mc="http://schemas.openxmlformats.org/markup-compatibility/2006" xmlns:hp="http://schemas.haansoft.com/office/presentation/8.0" lang="EN-US" sz="1000" b="0" i="0" u="none" strike="noStrike" mc:Ignorable="hp" hp:hslEmbossed="0">
+                          <a:solidFill>
+                            <a:srgbClr val="000000"/>
+                          </a:solidFill>
+                          <a:latin typeface="한양신명조"/>
+                          <a:ea typeface="휴먼명조"/>
+                        </a:rPr>
+                        <a:t>Fiscal Multiplier</a:t>
+                      </a:r>
+                      <a:endParaRPr xmlns:mc="http://schemas.openxmlformats.org/markup-compatibility/2006" xmlns:hp="http://schemas.haansoft.com/office/presentation/8.0" lang="EN-US" sz="1000" b="0" i="0" u="none" strike="noStrike" mc:Ignorable="hp" hp:hslEmbossed="0">
+                        <a:solidFill>
+                          <a:srgbClr val="000000"/>
+                        </a:solidFill>
+                        <a:latin typeface="한양신명조"/>
+                        <a:ea typeface="휴먼명조"/>
+                      </a:endParaRPr>
+                    </a:p>
+                  </a:txBody>
+                  <a:tcPr marL="91440" marR="91440" anchor="ctr">
+                    <a:lnL w="8509">
+                      <a:solidFill>
+                        <a:srgbClr val="000000">
+                          <a:alpha val="100000"/>
+                        </a:srgbClr>
+                      </a:solidFill>
+                      <a:prstDash val="solid"/>
+                    </a:lnL>
+                    <a:lnR w="8509">
+                      <a:solidFill>
+                        <a:srgbClr val="000000">
+                          <a:alpha val="100000"/>
+                        </a:srgbClr>
+                      </a:solidFill>
+                      <a:prstDash val="solid"/>
+                    </a:lnR>
+                    <a:lnT w="38862" cmpd="dbl">
+                      <a:solidFill>
+                        <a:srgbClr val="000000">
+                          <a:alpha val="100000"/>
+                        </a:srgbClr>
+                      </a:solidFill>
+                      <a:prstDash val="solid"/>
+                    </a:lnT>
+                    <a:lnB w="8509">
+                      <a:solidFill>
+                        <a:srgbClr val="000000">
+                          <a:alpha val="100000"/>
+                        </a:srgbClr>
+                      </a:solidFill>
+                      <a:prstDash val="solid"/>
+                    </a:lnB>
+                  </a:tcPr>
+                </a:tc>
+                <a:tc hMerge="1">
+                  <a:txBody>
+                    <a:bodyPr wrap="square">
+                      <a:spAutoFit/>
+                    </a:bodyPr>
+                    <a:p>
+                      <a:pPr lvl="0">
+                        <a:defRPr/>
+                      </a:pPr>
+                      <a:endParaRPr lang="ko-KR" altLang="en-US"/>
+                    </a:p>
+                  </a:txBody>
+                  <a:tcPr marL="91440" marR="91440">
+                    <a:lnL w="8509">
+                      <a:solidFill>
+                        <a:srgbClr val="000000">
+                          <a:alpha val="100000"/>
+                        </a:srgbClr>
+                      </a:solidFill>
+                      <a:prstDash val="solid"/>
+                    </a:lnL>
+                    <a:lnR w="8509">
+                      <a:solidFill>
+                        <a:srgbClr val="000000">
+                          <a:alpha val="100000"/>
+                        </a:srgbClr>
+                      </a:solidFill>
+                      <a:prstDash val="solid"/>
+                    </a:lnR>
+                    <a:lnT w="38862" cmpd="dbl">
+                      <a:solidFill>
+                        <a:srgbClr val="000000">
+                          <a:alpha val="100000"/>
+                        </a:srgbClr>
+                      </a:solidFill>
+                      <a:prstDash val="solid"/>
+                    </a:lnT>
+                    <a:lnB w="8509">
+                      <a:solidFill>
+                        <a:srgbClr val="000000">
+                          <a:alpha val="100000"/>
+                        </a:srgbClr>
+                      </a:solidFill>
+                      <a:prstDash val="solid"/>
+                    </a:lnB>
+                  </a:tcPr>
+                </a:tc>
+                <a:tc hMerge="1">
+                  <a:txBody>
+                    <a:bodyPr wrap="square">
+                      <a:spAutoFit/>
+                    </a:bodyPr>
+                    <a:p>
+                      <a:pPr lvl="0">
+                        <a:defRPr/>
+                      </a:pPr>
+                      <a:endParaRPr lang="ko-KR" altLang="en-US"/>
+                    </a:p>
+                  </a:txBody>
+                  <a:tcPr marL="91440" marR="91440">
+                    <a:lnL w="8509">
+                      <a:solidFill>
+                        <a:srgbClr val="000000">
+                          <a:alpha val="100000"/>
+                        </a:srgbClr>
+                      </a:solidFill>
+                      <a:prstDash val="solid"/>
+                    </a:lnL>
+                    <a:lnR w="8509">
+                      <a:solidFill>
+                        <a:srgbClr val="000000">
+                          <a:alpha val="100000"/>
+                        </a:srgbClr>
+                      </a:solidFill>
+                      <a:prstDash val="solid"/>
+                    </a:lnR>
+                    <a:lnT w="38862" cmpd="dbl">
+                      <a:solidFill>
+                        <a:srgbClr val="000000">
+                          <a:alpha val="100000"/>
+                        </a:srgbClr>
+                      </a:solidFill>
+                      <a:prstDash val="solid"/>
+                    </a:lnT>
+                    <a:lnB w="8509">
+                      <a:solidFill>
+                        <a:srgbClr val="000000">
+                          <a:alpha val="100000"/>
+                        </a:srgbClr>
+                      </a:solidFill>
+                      <a:prstDash val="solid"/>
+                    </a:lnB>
+                  </a:tcPr>
+                </a:tc>
+              </a:tr>
+              <a:tr h="1163018">
+                <a:tc rowSpan="2">
+                  <a:txBody>
+                    <a:bodyPr vert="horz" wrap="square" lIns="91440" tIns="45720" rIns="91440" bIns="45720" anchor="ctr" anchorCtr="0">
+                      <a:spAutoFit/>
+                    </a:bodyPr>
+                    <a:p>
+                      <a:pPr marL="12700" marR="12700" lvl="0" algn="ctr">
+                        <a:lnSpc>
+                          <a:spcPct val="130000"/>
+                        </a:lnSpc>
+                        <a:spcBef>
+                          <a:spcPts val="0"/>
+                        </a:spcBef>
+                        <a:spcAft>
+                          <a:spcPts val="0"/>
+                        </a:spcAft>
+                        <a:defRPr/>
+                      </a:pPr>
+                      <a:r>
+                        <a:rPr xmlns:mc="http://schemas.openxmlformats.org/markup-compatibility/2006" xmlns:hp="http://schemas.haansoft.com/office/presentation/8.0" lang="EN-US" sz="1000" b="0" i="0" u="none" strike="noStrike" mc:Ignorable="hp" hp:hslEmbossed="0">
+                          <a:solidFill>
+                            <a:srgbClr val="000000"/>
+                          </a:solidFill>
+                          <a:latin typeface="한양신명조"/>
+                          <a:ea typeface="휴먼명조"/>
+                        </a:rPr>
+                        <a:t>Sticky Price</a:t>
+                      </a:r>
+                      <a:endParaRPr xmlns:mc="http://schemas.openxmlformats.org/markup-compatibility/2006" xmlns:hp="http://schemas.haansoft.com/office/presentation/8.0" lang="EN-US" sz="1000" b="0" i="0" u="none" strike="noStrike" mc:Ignorable="hp" hp:hslEmbossed="0">
+                        <a:solidFill>
+                          <a:srgbClr val="000000"/>
+                        </a:solidFill>
+                        <a:latin typeface="한양신명조"/>
+                        <a:ea typeface="휴먼명조"/>
+                      </a:endParaRPr>
+                    </a:p>
+                  </a:txBody>
+                  <a:tcPr marL="91440" marR="91440" anchor="ctr">
+                    <a:lnL w="8509">
+                      <a:solidFill>
+                        <a:srgbClr val="000000">
+                          <a:alpha val="100000"/>
+                        </a:srgbClr>
+                      </a:solidFill>
+                      <a:prstDash val="solid"/>
+                    </a:lnL>
+                    <a:lnR w="8509">
+                      <a:solidFill>
+                        <a:srgbClr val="000000">
+                          <a:alpha val="100000"/>
+                        </a:srgbClr>
+                      </a:solidFill>
+                      <a:prstDash val="solid"/>
+                    </a:lnR>
+                    <a:lnT w="8509">
+                      <a:solidFill>
+                        <a:srgbClr val="000000">
+                          <a:alpha val="100000"/>
+                        </a:srgbClr>
+                      </a:solidFill>
+                      <a:prstDash val="solid"/>
+                    </a:lnT>
+                    <a:lnB w="8509">
+                      <a:solidFill>
+                        <a:srgbClr val="000000">
+                          <a:alpha val="100000"/>
+                        </a:srgbClr>
+                      </a:solidFill>
+                      <a:prstDash val="solid"/>
+                    </a:lnB>
+                  </a:tcPr>
+                </a:tc>
+                <a:tc>
+                  <a:txBody>
+                    <a:bodyPr vert="horz" wrap="square" lIns="91440" tIns="45720" rIns="91440" bIns="45720" anchor="ctr" anchorCtr="0">
+                      <a:spAutoFit/>
+                    </a:bodyPr>
+                    <a:p>
+                      <a:pPr marL="12700" marR="12700" lvl="0" algn="ctr">
+                        <a:lnSpc>
+                          <a:spcPct val="130000"/>
+                        </a:lnSpc>
+                        <a:spcBef>
+                          <a:spcPts val="0"/>
+                        </a:spcBef>
+                        <a:spcAft>
+                          <a:spcPts val="0"/>
+                        </a:spcAft>
+                        <a:defRPr/>
+                      </a:pPr>
+                      <a:r>
+                        <a:rPr xmlns:mc="http://schemas.openxmlformats.org/markup-compatibility/2006" xmlns:hp="http://schemas.haansoft.com/office/presentation/8.0" lang="EN-US" sz="1000" b="0" i="0" u="none" strike="noStrike" mc:Ignorable="hp" hp:hslEmbossed="0">
+                          <a:solidFill>
+                            <a:srgbClr val="000000"/>
+                          </a:solidFill>
+                          <a:latin typeface="한양신명조"/>
+                          <a:ea typeface="휴먼명조"/>
+                        </a:rPr>
+                        <a:t>Separable Utility</a:t>
+                      </a:r>
+                      <a:endParaRPr xmlns:mc="http://schemas.openxmlformats.org/markup-compatibility/2006" xmlns:hp="http://schemas.haansoft.com/office/presentation/8.0" lang="EN-US" sz="1000" b="0" i="0" u="none" strike="noStrike" mc:Ignorable="hp" hp:hslEmbossed="0">
+                        <a:solidFill>
+                          <a:srgbClr val="000000"/>
+                        </a:solidFill>
+                        <a:latin typeface="한양신명조"/>
+                        <a:ea typeface="휴먼명조"/>
+                      </a:endParaRPr>
+                    </a:p>
+                  </a:txBody>
+                  <a:tcPr marL="91440" marR="91440" anchor="ctr">
+                    <a:lnL w="8509">
+                      <a:solidFill>
+                        <a:srgbClr val="000000">
+                          <a:alpha val="100000"/>
+                        </a:srgbClr>
+                      </a:solidFill>
+                      <a:prstDash val="solid"/>
+                    </a:lnL>
+                    <a:lnR w="8509">
+                      <a:solidFill>
+                        <a:srgbClr val="000000">
+                          <a:alpha val="100000"/>
+                        </a:srgbClr>
+                      </a:solidFill>
+                      <a:prstDash val="solid"/>
+                    </a:lnR>
+                    <a:lnT w="8509">
+                      <a:solidFill>
+                        <a:srgbClr val="000000">
+                          <a:alpha val="100000"/>
+                        </a:srgbClr>
+                      </a:solidFill>
+                      <a:prstDash val="solid"/>
+                    </a:lnT>
+                    <a:lnB w="8509">
+                      <a:solidFill>
+                        <a:srgbClr val="000000">
+                          <a:alpha val="100000"/>
+                        </a:srgbClr>
+                      </a:solidFill>
+                      <a:prstDash val="solid"/>
+                    </a:lnB>
+                  </a:tcPr>
+                </a:tc>
+                <a:tc>
+                  <a:txBody>
+                    <a:bodyPr vert="horz" wrap="square" lIns="91440" tIns="45720" rIns="91440" bIns="45720" anchor="ctr" anchorCtr="0">
+                      <a:spAutoFit/>
+                    </a:bodyPr>
+                    <a:p>
+                      <a:pPr marL="12700" marR="12700" lvl="0" algn="ctr">
+                        <a:lnSpc>
+                          <a:spcPct val="130000"/>
+                        </a:lnSpc>
+                        <a:spcBef>
+                          <a:spcPts val="0"/>
+                        </a:spcBef>
+                        <a:spcAft>
+                          <a:spcPts val="0"/>
+                        </a:spcAft>
+                        <a:defRPr/>
+                      </a:pPr>
+                      <a:r>
+                        <a:rPr xmlns:mc="http://schemas.openxmlformats.org/markup-compatibility/2006" xmlns:hp="http://schemas.haansoft.com/office/presentation/8.0" lang="EN-US" sz="1000" b="0" i="0" u="none" strike="noStrike" mc:Ignorable="hp" hp:hslEmbossed="0">
+                          <a:solidFill>
+                            <a:srgbClr val="000000"/>
+                          </a:solidFill>
+                          <a:latin typeface="한양신명조"/>
+                          <a:ea typeface="휴먼명조"/>
+                        </a:rPr>
+                        <a:t>0.78</a:t>
+                      </a:r>
+                      <a:endParaRPr xmlns:mc="http://schemas.openxmlformats.org/markup-compatibility/2006" xmlns:hp="http://schemas.haansoft.com/office/presentation/8.0" lang="EN-US" sz="1000" b="0" i="0" u="none" strike="noStrike" mc:Ignorable="hp" hp:hslEmbossed="0">
+                        <a:solidFill>
+                          <a:srgbClr val="000000"/>
+                        </a:solidFill>
+                        <a:latin typeface="한양신명조"/>
+                        <a:ea typeface="휴먼명조"/>
+                      </a:endParaRPr>
+                    </a:p>
+                  </a:txBody>
+                  <a:tcPr marL="91440" marR="91440" anchor="ctr">
+                    <a:lnL w="8509">
+                      <a:solidFill>
+                        <a:srgbClr val="000000">
+                          <a:alpha val="100000"/>
+                        </a:srgbClr>
+                      </a:solidFill>
+                      <a:prstDash val="solid"/>
+                    </a:lnL>
+                    <a:lnR w="8509">
+                      <a:solidFill>
+                        <a:srgbClr val="000000">
+                          <a:alpha val="100000"/>
+                        </a:srgbClr>
+                      </a:solidFill>
+                      <a:prstDash val="solid"/>
+                    </a:lnR>
+                    <a:lnT w="8509">
+                      <a:solidFill>
+                        <a:srgbClr val="000000">
+                          <a:alpha val="100000"/>
+                        </a:srgbClr>
+                      </a:solidFill>
+                      <a:prstDash val="solid"/>
+                    </a:lnT>
+                    <a:lnB w="8509">
+                      <a:solidFill>
+                        <a:srgbClr val="000000">
+                          <a:alpha val="100000"/>
+                        </a:srgbClr>
+                      </a:solidFill>
+                      <a:prstDash val="solid"/>
+                    </a:lnB>
+                  </a:tcPr>
+                </a:tc>
+              </a:tr>
+              <a:tr h="1163018">
+                <a:tc vMerge="1">
+                  <a:txBody>
+                    <a:bodyPr wrap="square">
+                      <a:spAutoFit/>
+                    </a:bodyPr>
+                    <a:p>
+                      <a:pPr lvl="0">
+                        <a:defRPr/>
+                      </a:pPr>
+                      <a:endParaRPr lang="ko-KR" altLang="en-US"/>
+                    </a:p>
+                  </a:txBody>
+                  <a:tcPr marL="91440" marR="91440">
+                    <a:lnL w="8509">
+                      <a:solidFill>
+                        <a:srgbClr val="000000">
+                          <a:alpha val="100000"/>
+                        </a:srgbClr>
+                      </a:solidFill>
+                      <a:prstDash val="solid"/>
+                    </a:lnL>
+                    <a:lnR w="8509">
+                      <a:solidFill>
+                        <a:srgbClr val="000000">
+                          <a:alpha val="100000"/>
+                        </a:srgbClr>
+                      </a:solidFill>
+                      <a:prstDash val="solid"/>
+                    </a:lnR>
+                    <a:lnT w="8509">
+                      <a:solidFill>
+                        <a:srgbClr val="000000">
+                          <a:alpha val="100000"/>
+                        </a:srgbClr>
+                      </a:solidFill>
+                      <a:prstDash val="solid"/>
+                    </a:lnT>
+                    <a:lnB w="8509">
+                      <a:solidFill>
+                        <a:srgbClr val="000000">
+                          <a:alpha val="100000"/>
+                        </a:srgbClr>
+                      </a:solidFill>
+                      <a:prstDash val="solid"/>
+                    </a:lnB>
+                  </a:tcPr>
+                </a:tc>
+                <a:tc>
+                  <a:txBody>
+                    <a:bodyPr vert="horz" wrap="square" lIns="91440" tIns="45720" rIns="91440" bIns="45720" anchor="ctr" anchorCtr="0">
+                      <a:spAutoFit/>
+                    </a:bodyPr>
+                    <a:p>
+                      <a:pPr marL="12700" marR="12700" lvl="0" algn="ctr">
+                        <a:lnSpc>
+                          <a:spcPct val="130000"/>
+                        </a:lnSpc>
+                        <a:spcBef>
+                          <a:spcPts val="0"/>
+                        </a:spcBef>
+                        <a:spcAft>
+                          <a:spcPts val="0"/>
+                        </a:spcAft>
+                        <a:defRPr/>
+                      </a:pPr>
+                      <a:r>
+                        <a:rPr xmlns:mc="http://schemas.openxmlformats.org/markup-compatibility/2006" xmlns:hp="http://schemas.haansoft.com/office/presentation/8.0" lang="EN-US" sz="1000" b="0" i="0" u="none" strike="noStrike" mc:Ignorable="hp" hp:hslEmbossed="0">
+                          <a:solidFill>
+                            <a:srgbClr val="000000"/>
+                          </a:solidFill>
+                          <a:latin typeface="한양신명조"/>
+                          <a:ea typeface="휴먼명조"/>
+                        </a:rPr>
+                        <a:t>GHH</a:t>
+                      </a:r>
+                      <a:endParaRPr xmlns:mc="http://schemas.openxmlformats.org/markup-compatibility/2006" xmlns:hp="http://schemas.haansoft.com/office/presentation/8.0" lang="EN-US" sz="1000" b="0" i="0" u="none" strike="noStrike" mc:Ignorable="hp" hp:hslEmbossed="0">
+                        <a:solidFill>
+                          <a:srgbClr val="000000"/>
+                        </a:solidFill>
+                        <a:latin typeface="한양신명조"/>
+                        <a:ea typeface="휴먼명조"/>
+                      </a:endParaRPr>
+                    </a:p>
+                  </a:txBody>
+                  <a:tcPr marL="91440" marR="91440" anchor="ctr">
+                    <a:lnL w="8509">
+                      <a:solidFill>
+                        <a:srgbClr val="000000">
+                          <a:alpha val="100000"/>
+                        </a:srgbClr>
+                      </a:solidFill>
+                      <a:prstDash val="solid"/>
+                    </a:lnL>
+                    <a:lnR w="8509">
+                      <a:solidFill>
+                        <a:srgbClr val="000000">
+                          <a:alpha val="100000"/>
+                        </a:srgbClr>
+                      </a:solidFill>
+                      <a:prstDash val="solid"/>
+                    </a:lnR>
+                    <a:lnT w="8509">
+                      <a:solidFill>
+                        <a:srgbClr val="000000">
+                          <a:alpha val="100000"/>
+                        </a:srgbClr>
+                      </a:solidFill>
+                      <a:prstDash val="solid"/>
+                    </a:lnT>
+                    <a:lnB w="8509">
+                      <a:solidFill>
+                        <a:srgbClr val="000000">
+                          <a:alpha val="100000"/>
+                        </a:srgbClr>
+                      </a:solidFill>
+                      <a:prstDash val="solid"/>
+                    </a:lnB>
+                  </a:tcPr>
+                </a:tc>
+                <a:tc>
+                  <a:txBody>
+                    <a:bodyPr vert="horz" wrap="square" lIns="91440" tIns="45720" rIns="91440" bIns="45720" anchor="ctr" anchorCtr="0">
+                      <a:spAutoFit/>
+                    </a:bodyPr>
+                    <a:p>
+                      <a:pPr marL="12700" marR="12700" lvl="0" algn="ctr">
+                        <a:lnSpc>
+                          <a:spcPct val="130000"/>
+                        </a:lnSpc>
+                        <a:spcBef>
+                          <a:spcPts val="0"/>
+                        </a:spcBef>
+                        <a:spcAft>
+                          <a:spcPts val="0"/>
+                        </a:spcAft>
+                        <a:defRPr/>
+                      </a:pPr>
+                      <a:r>
+                        <a:rPr xmlns:mc="http://schemas.openxmlformats.org/markup-compatibility/2006" xmlns:hp="http://schemas.haansoft.com/office/presentation/8.0" lang="EN-US" sz="1000" b="0" i="0" u="none" strike="noStrike" mc:Ignorable="hp" hp:hslEmbossed="0">
+                          <a:solidFill>
+                            <a:srgbClr val="000000"/>
+                          </a:solidFill>
+                          <a:latin typeface="한양신명조"/>
+                          <a:ea typeface="휴먼명조"/>
+                        </a:rPr>
+                        <a:t>2.01</a:t>
+                      </a:r>
+                      <a:endParaRPr xmlns:mc="http://schemas.openxmlformats.org/markup-compatibility/2006" xmlns:hp="http://schemas.haansoft.com/office/presentation/8.0" lang="EN-US" sz="1000" b="0" i="0" u="none" strike="noStrike" mc:Ignorable="hp" hp:hslEmbossed="0">
+                        <a:solidFill>
+                          <a:srgbClr val="000000"/>
+                        </a:solidFill>
+                        <a:latin typeface="한양신명조"/>
+                        <a:ea typeface="휴먼명조"/>
+                      </a:endParaRPr>
+                    </a:p>
+                  </a:txBody>
+                  <a:tcPr marL="91440" marR="91440" anchor="ctr">
+                    <a:lnL w="8509">
+                      <a:solidFill>
+                        <a:srgbClr val="000000">
+                          <a:alpha val="100000"/>
+                        </a:srgbClr>
+                      </a:solidFill>
+                      <a:prstDash val="solid"/>
+                    </a:lnL>
+                    <a:lnR w="8509">
+                      <a:solidFill>
+                        <a:srgbClr val="000000">
+                          <a:alpha val="100000"/>
+                        </a:srgbClr>
+                      </a:solidFill>
+                      <a:prstDash val="solid"/>
+                    </a:lnR>
+                    <a:lnT w="8509">
+                      <a:solidFill>
+                        <a:srgbClr val="000000">
+                          <a:alpha val="100000"/>
+                        </a:srgbClr>
+                      </a:solidFill>
+                      <a:prstDash val="solid"/>
+                    </a:lnT>
+                    <a:lnB w="8509">
+                      <a:solidFill>
+                        <a:srgbClr val="000000">
+                          <a:alpha val="100000"/>
+                        </a:srgbClr>
+                      </a:solidFill>
+                      <a:prstDash val="solid"/>
+                    </a:lnB>
+                  </a:tcPr>
+                </a:tc>
+              </a:tr>
+              <a:tr h="1163018">
+                <a:tc>
+                  <a:txBody>
+                    <a:bodyPr vert="horz" wrap="square" lIns="91440" tIns="45720" rIns="91440" bIns="45720" anchor="ctr" anchorCtr="0">
+                      <a:spAutoFit/>
+                    </a:bodyPr>
+                    <a:p>
+                      <a:pPr marL="12700" marR="12700" lvl="0" algn="ctr">
+                        <a:lnSpc>
+                          <a:spcPct val="130000"/>
+                        </a:lnSpc>
+                        <a:spcBef>
+                          <a:spcPts val="0"/>
+                        </a:spcBef>
+                        <a:spcAft>
+                          <a:spcPts val="0"/>
+                        </a:spcAft>
+                        <a:defRPr/>
+                      </a:pPr>
+                      <a:r>
+                        <a:rPr xmlns:mc="http://schemas.openxmlformats.org/markup-compatibility/2006" xmlns:hp="http://schemas.haansoft.com/office/presentation/8.0" lang="EN-US" sz="1000" b="0" i="0" u="none" strike="noStrike" mc:Ignorable="hp" hp:hslEmbossed="0">
+                          <a:solidFill>
+                            <a:srgbClr val="000000"/>
+                          </a:solidFill>
+                          <a:latin typeface="한양신명조"/>
+                          <a:ea typeface="휴먼명조"/>
+                        </a:rPr>
+                        <a:t>Sticky Wage</a:t>
+                      </a:r>
+                      <a:endParaRPr xmlns:mc="http://schemas.openxmlformats.org/markup-compatibility/2006" xmlns:hp="http://schemas.haansoft.com/office/presentation/8.0" lang="EN-US" sz="1000" b="0" i="0" u="none" strike="noStrike" mc:Ignorable="hp" hp:hslEmbossed="0">
+                        <a:solidFill>
+                          <a:srgbClr val="000000"/>
+                        </a:solidFill>
+                        <a:latin typeface="한양신명조"/>
+                        <a:ea typeface="휴먼명조"/>
+                      </a:endParaRPr>
+                    </a:p>
+                  </a:txBody>
+                  <a:tcPr marL="91440" marR="91440" anchor="ctr">
+                    <a:lnL w="8509">
+                      <a:solidFill>
+                        <a:srgbClr val="000000">
+                          <a:alpha val="100000"/>
+                        </a:srgbClr>
+                      </a:solidFill>
+                      <a:prstDash val="solid"/>
+                    </a:lnL>
+                    <a:lnR w="8509">
+                      <a:solidFill>
+                        <a:srgbClr val="000000">
+                          <a:alpha val="100000"/>
+                        </a:srgbClr>
+                      </a:solidFill>
+                      <a:prstDash val="solid"/>
+                    </a:lnR>
+                    <a:lnT w="8509">
+                      <a:solidFill>
+                        <a:srgbClr val="000000">
+                          <a:alpha val="100000"/>
+                        </a:srgbClr>
+                      </a:solidFill>
+                      <a:prstDash val="solid"/>
+                    </a:lnT>
+                    <a:lnB w="38862" cmpd="dbl">
+                      <a:solidFill>
+                        <a:srgbClr val="000000">
+                          <a:alpha val="100000"/>
+                        </a:srgbClr>
+                      </a:solidFill>
+                      <a:prstDash val="solid"/>
+                    </a:lnB>
+                  </a:tcPr>
+                </a:tc>
+                <a:tc>
+                  <a:txBody>
+                    <a:bodyPr vert="horz" wrap="square" lIns="91440" tIns="45720" rIns="91440" bIns="45720" anchor="ctr" anchorCtr="0">
+                      <a:spAutoFit/>
+                    </a:bodyPr>
+                    <a:p>
+                      <a:pPr marL="12700" marR="12700" lvl="0" algn="ctr">
+                        <a:lnSpc>
+                          <a:spcPct val="130000"/>
+                        </a:lnSpc>
+                        <a:spcBef>
+                          <a:spcPts val="0"/>
+                        </a:spcBef>
+                        <a:spcAft>
+                          <a:spcPts val="0"/>
+                        </a:spcAft>
+                        <a:defRPr/>
+                      </a:pPr>
+                      <a:r>
+                        <a:rPr xmlns:mc="http://schemas.openxmlformats.org/markup-compatibility/2006" xmlns:hp="http://schemas.haansoft.com/office/presentation/8.0" lang="EN-US" sz="1000" b="0" i="0" u="none" strike="noStrike" mc:Ignorable="hp" hp:hslEmbossed="0">
+                          <a:solidFill>
+                            <a:srgbClr val="000000"/>
+                          </a:solidFill>
+                          <a:latin typeface="한양신명조"/>
+                          <a:ea typeface="휴먼명조"/>
+                        </a:rPr>
+                        <a:t>Separable Utility</a:t>
+                      </a:r>
+                      <a:endParaRPr xmlns:mc="http://schemas.openxmlformats.org/markup-compatibility/2006" xmlns:hp="http://schemas.haansoft.com/office/presentation/8.0" lang="EN-US" sz="1000" b="0" i="0" u="none" strike="noStrike" mc:Ignorable="hp" hp:hslEmbossed="0">
+                        <a:solidFill>
+                          <a:srgbClr val="000000"/>
+                        </a:solidFill>
+                        <a:latin typeface="한양신명조"/>
+                        <a:ea typeface="휴먼명조"/>
+                      </a:endParaRPr>
+                    </a:p>
+                  </a:txBody>
+                  <a:tcPr marL="91440" marR="91440" anchor="ctr">
+                    <a:lnL w="8509">
+                      <a:solidFill>
+                        <a:srgbClr val="000000">
+                          <a:alpha val="100000"/>
+                        </a:srgbClr>
+                      </a:solidFill>
+                      <a:prstDash val="solid"/>
+                    </a:lnL>
+                    <a:lnR w="8509">
+                      <a:solidFill>
+                        <a:srgbClr val="000000">
+                          <a:alpha val="100000"/>
+                        </a:srgbClr>
+                      </a:solidFill>
+                      <a:prstDash val="solid"/>
+                    </a:lnR>
+                    <a:lnT w="8509">
+                      <a:solidFill>
+                        <a:srgbClr val="000000">
+                          <a:alpha val="100000"/>
+                        </a:srgbClr>
+                      </a:solidFill>
+                      <a:prstDash val="solid"/>
+                    </a:lnT>
+                    <a:lnB w="38862" cmpd="dbl">
+                      <a:solidFill>
+                        <a:srgbClr val="000000">
+                          <a:alpha val="100000"/>
+                        </a:srgbClr>
+                      </a:solidFill>
+                      <a:prstDash val="solid"/>
+                    </a:lnB>
+                  </a:tcPr>
+                </a:tc>
+                <a:tc>
+                  <a:txBody>
+                    <a:bodyPr vert="horz" wrap="square" lIns="91440" tIns="45720" rIns="91440" bIns="45720" anchor="ctr" anchorCtr="0">
+                      <a:spAutoFit/>
+                    </a:bodyPr>
+                    <a:p>
+                      <a:pPr marL="12700" marR="12700" lvl="0" algn="ctr">
+                        <a:lnSpc>
+                          <a:spcPct val="130000"/>
+                        </a:lnSpc>
+                        <a:spcBef>
+                          <a:spcPts val="0"/>
+                        </a:spcBef>
+                        <a:spcAft>
+                          <a:spcPts val="0"/>
+                        </a:spcAft>
+                        <a:defRPr/>
+                      </a:pPr>
+                      <a:r>
+                        <a:rPr xmlns:mc="http://schemas.openxmlformats.org/markup-compatibility/2006" xmlns:hp="http://schemas.haansoft.com/office/presentation/8.0" lang="EN-US" sz="1000" b="0" i="0" u="none" strike="noStrike" mc:Ignorable="hp" hp:hslEmbossed="0">
+                          <a:solidFill>
+                            <a:srgbClr val="000000"/>
+                          </a:solidFill>
+                          <a:latin typeface="한양신명조"/>
+                          <a:ea typeface="휴먼명조"/>
+                        </a:rPr>
+                        <a:t>0.79</a:t>
+                      </a:r>
+                      <a:endParaRPr xmlns:mc="http://schemas.openxmlformats.org/markup-compatibility/2006" xmlns:hp="http://schemas.haansoft.com/office/presentation/8.0" lang="EN-US" sz="1000" b="0" i="0" u="none" strike="noStrike" mc:Ignorable="hp" hp:hslEmbossed="0">
+                        <a:solidFill>
+                          <a:srgbClr val="000000"/>
+                        </a:solidFill>
+                        <a:latin typeface="한양신명조"/>
+                        <a:ea typeface="휴먼명조"/>
+                      </a:endParaRPr>
+                    </a:p>
+                  </a:txBody>
+                  <a:tcPr marL="91440" marR="91440" anchor="ctr">
+                    <a:lnL w="8509">
+                      <a:solidFill>
+                        <a:srgbClr val="000000">
+                          <a:alpha val="100000"/>
+                        </a:srgbClr>
+                      </a:solidFill>
+                      <a:prstDash val="solid"/>
+                    </a:lnL>
+                    <a:lnR w="8509">
+                      <a:solidFill>
+                        <a:srgbClr val="000000">
+                          <a:alpha val="100000"/>
+                        </a:srgbClr>
+                      </a:solidFill>
+                      <a:prstDash val="solid"/>
+                    </a:lnR>
+                    <a:lnT w="8509">
+                      <a:solidFill>
+                        <a:srgbClr val="000000">
+                          <a:alpha val="100000"/>
+                        </a:srgbClr>
+                      </a:solidFill>
+                      <a:prstDash val="solid"/>
+                    </a:lnT>
+                    <a:lnB w="38862" cmpd="dbl">
+                      <a:solidFill>
+                        <a:srgbClr val="000000">
+                          <a:alpha val="100000"/>
+                        </a:srgbClr>
+                      </a:solidFill>
+                      <a:prstDash val="solid"/>
+                    </a:lnB>
+                  </a:tcPr>
+                </a:tc>
+              </a:tr>
+            </a:tbl>
+          </a:graphicData>
+        </a:graphic>
+      </p:graphicFrame>
+      <p:pic>
+        <p:nvPicPr>
+          <p:cNvPr id="6" name="그림 5"/>
+          <p:cNvPicPr/>
+          <p:nvPr/>
+        </p:nvPicPr>
+        <p:blipFill rotWithShape="1">
+          <a:blip r:embed="rId2"/>
+          <a:stretch>
+            <a:fillRect/>
+          </a:stretch>
+        </p:blipFill>
+        <p:spPr>
+          <a:xfrm>
+            <a:off x="4269440" y="1762106"/>
+            <a:ext cx="5636559" cy="4398347"/>
+          </a:xfrm>
+          <a:prstGeom prst="rect">
+            <a:avLst/>
+          </a:prstGeom>
+          <a:noFill/>
+          <a:ln>
+            <a:noFill/>
+          </a:ln>
+          <a:effectLst/>
+        </p:spPr>
+      </p:pic>
     </p:spTree>
-    <p:extLst>
-      <p:ext uri="{BB962C8B-B14F-4D97-AF65-F5344CB8AC3E}">
-        <p14:creationId xmlns:p14="http://schemas.microsoft.com/office/powerpoint/2010/main" val="2759494574"/>
-      </p:ext>
-    </p:extLst>
   </p:cSld>
   <p:clrMapOvr>
     <a:masterClrMapping/>
   </p:clrMapOvr>
+  <mc:AlternateContent xmlns:mc="http://schemas.openxmlformats.org/markup-compatibility/2006">
+    <mc:Choice xmlns:p14="http://schemas.microsoft.com/office/powerpoint/2010/main" Requires="p14">
+      <p:transition xmlns:mc="http://schemas.openxmlformats.org/markup-compatibility/2006" xmlns:p14="http://schemas.microsoft.com/office/powerpoint/2010/main" mc:Ignorable="p14" p14:dur="500"/>
+    </mc:Choice>
+    <mc:Fallback>
+      <p:transition/>
+    </mc:Fallback>
+  </mc:AlternateContent>
 </p:sld>
 </file>
 
@@ -20162,7 +20945,7 @@
 </file>
 
 <file path=ppt/slides/slide13.xml><?xml version="1.0" encoding="utf-8"?>
-<p:sld xmlns:a="http://schemas.openxmlformats.org/drawingml/2006/main" xmlns:r="http://schemas.openxmlformats.org/officeDocument/2006/relationships" xmlns:p="http://schemas.openxmlformats.org/presentationml/2006/main">
+<p:sld xmlns:r="http://schemas.openxmlformats.org/officeDocument/2006/relationships" xmlns:c="http://schemas.openxmlformats.org/drawingml/2006/chart" xmlns:a="http://schemas.openxmlformats.org/drawingml/2006/main" xmlns:dgm="http://schemas.openxmlformats.org/drawingml/2006/diagram" xmlns:dsp="http://schemas.microsoft.com/office/drawing/2008/diagram" xmlns:p="http://schemas.openxmlformats.org/presentationml/2006/main">
   <p:cSld>
     <p:spTree>
       <p:nvGrpSpPr>
@@ -20191,7 +20974,7 @@
         <p:spPr/>
         <p:txBody>
           <a:bodyPr>
-            <a:normAutofit fontScale="70000" lnSpcReduction="20000"/>
+            <a:normAutofit fontScale="77500" lnSpcReduction="20000"/>
           </a:bodyPr>
           <a:lstStyle/>
           <a:p>
@@ -20202,13 +20985,14 @@
               <a:defRPr/>
             </a:pPr>
             <a:r>
-              <a:rPr lang="en-US" altLang="en-US" dirty="0"/>
+              <a:rPr lang="en-US" altLang="en-US"/>
               <a:t>Machine learning model</a:t>
             </a:r>
             <a:r>
-              <a:rPr lang="ko-KR" altLang="en-US" dirty="0"/>
+              <a:rPr lang="ko-KR" altLang="en-US"/>
               <a:t>을 이용한 노동시장 주요 변수 예측 관련 금년도 개발 </a:t>
             </a:r>
+            <a:endParaRPr lang="ko-KR" altLang="en-US"/>
           </a:p>
           <a:p>
             <a:pPr lvl="0">
@@ -20217,7 +21001,7 @@
               </a:lnSpc>
               <a:defRPr/>
             </a:pPr>
-            <a:endParaRPr lang="en-US" altLang="ko-KR" dirty="0"/>
+            <a:endParaRPr lang="en-US" altLang="ko-KR"/>
           </a:p>
           <a:p>
             <a:pPr lvl="1">
@@ -20227,53 +21011,54 @@
               <a:defRPr/>
             </a:pPr>
             <a:r>
-              <a:rPr lang="en-US" altLang="ko-KR" dirty="0"/>
+              <a:rPr lang="en-US" altLang="ko-KR"/>
               <a:t>Step 1: </a:t>
             </a:r>
             <a:r>
-              <a:rPr lang="ko-KR" altLang="en-US" dirty="0"/>
+              <a:rPr lang="ko-KR" altLang="en-US"/>
               <a:t>노동시장 주요 변수 세 가지</a:t>
             </a:r>
             <a:r>
-              <a:rPr lang="en-US" altLang="ko-KR" dirty="0"/>
+              <a:rPr lang="en-US" altLang="ko-KR"/>
               <a:t>(</a:t>
             </a:r>
             <a:r>
-              <a:rPr lang="ko-KR" altLang="en-US" dirty="0"/>
+              <a:rPr lang="ko-KR" altLang="en-US"/>
               <a:t>경제활동참가율</a:t>
             </a:r>
             <a:r>
-              <a:rPr lang="en-US" altLang="ko-KR" dirty="0"/>
+              <a:rPr lang="en-US" altLang="ko-KR"/>
               <a:t>, </a:t>
             </a:r>
             <a:r>
-              <a:rPr lang="ko-KR" altLang="en-US" dirty="0"/>
+              <a:rPr lang="ko-KR" altLang="en-US"/>
               <a:t>고용률</a:t>
             </a:r>
             <a:r>
-              <a:rPr lang="en-US" altLang="ko-KR" dirty="0"/>
+              <a:rPr lang="en-US" altLang="ko-KR"/>
               <a:t>, </a:t>
             </a:r>
             <a:r>
-              <a:rPr lang="ko-KR" altLang="en-US" dirty="0"/>
+              <a:rPr lang="ko-KR" altLang="en-US"/>
               <a:t>실업률</a:t>
             </a:r>
             <a:r>
-              <a:rPr lang="en-US" altLang="ko-KR" dirty="0"/>
+              <a:rPr lang="en-US" altLang="ko-KR"/>
               <a:t>)</a:t>
             </a:r>
             <a:r>
-              <a:rPr lang="ko-KR" altLang="en-US" dirty="0"/>
+              <a:rPr lang="ko-KR" altLang="en-US"/>
               <a:t>를 예측하는데 있어서 가장 효과적인 모형은 무엇인지를 노동시장 변수만을 이용하여 </a:t>
             </a:r>
             <a:r>
-              <a:rPr lang="en-US" altLang="ko-KR" dirty="0"/>
+              <a:rPr lang="en-US" altLang="ko-KR"/>
               <a:t>conventional regression models, traditional machine learning models, deep learning model </a:t>
             </a:r>
             <a:r>
-              <a:rPr lang="ko-KR" altLang="en-US" dirty="0"/>
+              <a:rPr lang="ko-KR" altLang="en-US"/>
               <a:t>간에 비교</a:t>
             </a:r>
+            <a:endParaRPr lang="ko-KR" altLang="en-US"/>
           </a:p>
           <a:p>
             <a:pPr lvl="1">
@@ -20282,7 +21067,7 @@
               </a:lnSpc>
               <a:defRPr/>
             </a:pPr>
-            <a:endParaRPr lang="ko-KR" altLang="en-US" dirty="0"/>
+            <a:endParaRPr lang="ko-KR" altLang="en-US"/>
           </a:p>
           <a:p>
             <a:pPr lvl="1">
@@ -20292,54 +21077,54 @@
               <a:defRPr/>
             </a:pPr>
             <a:r>
-              <a:rPr lang="en-US" altLang="ko-KR" dirty="0"/>
+              <a:rPr lang="en-US" altLang="ko-KR"/>
               <a:t>Step 2: </a:t>
             </a:r>
             <a:r>
-              <a:rPr lang="ko-KR" altLang="en-US" dirty="0"/>
+              <a:rPr lang="ko-KR" altLang="en-US"/>
               <a:t>노동시장 주요 변수 세 가지</a:t>
             </a:r>
             <a:r>
-              <a:rPr lang="en-US" altLang="ko-KR" dirty="0"/>
+              <a:rPr lang="en-US" altLang="ko-KR"/>
               <a:t>(</a:t>
             </a:r>
             <a:r>
-              <a:rPr lang="ko-KR" altLang="en-US" dirty="0"/>
+              <a:rPr lang="ko-KR" altLang="en-US"/>
               <a:t>경제활동참가율</a:t>
             </a:r>
             <a:r>
-              <a:rPr lang="en-US" altLang="ko-KR" dirty="0"/>
+              <a:rPr lang="en-US" altLang="ko-KR"/>
               <a:t>, </a:t>
             </a:r>
             <a:r>
-              <a:rPr lang="ko-KR" altLang="en-US" dirty="0"/>
+              <a:rPr lang="ko-KR" altLang="en-US"/>
               <a:t>고용률</a:t>
             </a:r>
             <a:r>
-              <a:rPr lang="en-US" altLang="ko-KR" dirty="0"/>
+              <a:rPr lang="en-US" altLang="ko-KR"/>
               <a:t>, </a:t>
             </a:r>
             <a:r>
-              <a:rPr lang="ko-KR" altLang="en-US" dirty="0"/>
+              <a:rPr lang="ko-KR" altLang="en-US"/>
               <a:t>실업률</a:t>
             </a:r>
             <a:r>
-              <a:rPr lang="en-US" altLang="ko-KR" dirty="0"/>
+              <a:rPr lang="en-US" altLang="ko-KR"/>
               <a:t>)</a:t>
             </a:r>
             <a:r>
-              <a:rPr lang="ko-KR" altLang="en-US" dirty="0"/>
+              <a:rPr lang="ko-KR" altLang="en-US"/>
               <a:t>를 예측하는데 있어서 가장 효과적인 모형은 무엇인지를 전체 정형 데이터를 이용하여 </a:t>
             </a:r>
             <a:r>
-              <a:rPr lang="en-US" altLang="ko-KR" dirty="0"/>
+              <a:rPr lang="en-US" altLang="ko-KR"/>
               <a:t>conventional regression models, traditional machine learning models, deep learning model </a:t>
             </a:r>
             <a:r>
-              <a:rPr lang="ko-KR" altLang="en-US" dirty="0"/>
+              <a:rPr lang="ko-KR" altLang="en-US"/>
               <a:t>간의 비교</a:t>
             </a:r>
-            <a:endParaRPr lang="en-US" altLang="ko-KR" dirty="0"/>
+            <a:endParaRPr lang="ko-KR" altLang="en-US"/>
           </a:p>
           <a:p>
             <a:pPr lvl="1">
@@ -20348,7 +21133,7 @@
               </a:lnSpc>
               <a:defRPr/>
             </a:pPr>
-            <a:endParaRPr lang="ko-KR" altLang="en-US" dirty="0"/>
+            <a:endParaRPr lang="ko-KR" altLang="en-US"/>
           </a:p>
           <a:p>
             <a:pPr lvl="1">
@@ -20358,21 +21143,22 @@
               <a:defRPr/>
             </a:pPr>
             <a:r>
-              <a:rPr lang="en-US" altLang="ko-KR" dirty="0"/>
+              <a:rPr lang="en-US" altLang="ko-KR"/>
               <a:t>Step 3: Step 1</a:t>
             </a:r>
             <a:r>
-              <a:rPr lang="ko-KR" altLang="en-US" dirty="0"/>
+              <a:rPr lang="ko-KR" altLang="en-US"/>
               <a:t>과 </a:t>
             </a:r>
             <a:r>
-              <a:rPr lang="en-US" altLang="ko-KR" dirty="0"/>
+              <a:rPr lang="en-US" altLang="ko-KR"/>
               <a:t>Step 2 </a:t>
             </a:r>
             <a:r>
-              <a:rPr lang="ko-KR" altLang="en-US" dirty="0"/>
+              <a:rPr lang="ko-KR" altLang="en-US"/>
               <a:t>간의 비교</a:t>
             </a:r>
+            <a:endParaRPr lang="ko-KR" altLang="en-US"/>
           </a:p>
           <a:p>
             <a:pPr lvl="2">
@@ -20382,22 +21168,22 @@
               <a:defRPr/>
             </a:pPr>
             <a:r>
-              <a:rPr lang="en-US" altLang="ko-KR" dirty="0"/>
+              <a:rPr lang="en-US" altLang="ko-KR"/>
               <a:t>MSE</a:t>
             </a:r>
             <a:r>
-              <a:rPr lang="ko-KR" altLang="en-US" dirty="0"/>
+              <a:rPr lang="ko-KR" altLang="en-US"/>
               <a:t>의 비교</a:t>
             </a:r>
             <a:r>
-              <a:rPr lang="en-US" altLang="ko-KR" dirty="0"/>
+              <a:rPr lang="en-US" altLang="ko-KR"/>
               <a:t>: </a:t>
             </a:r>
             <a:r>
-              <a:rPr lang="ko-KR" altLang="en-US" dirty="0"/>
+              <a:rPr lang="ko-KR" altLang="en-US"/>
               <a:t>더 많은 설명변수의 투입이 모형의 예측력을 개선시키는지</a:t>
             </a:r>
-            <a:endParaRPr lang="en-US" altLang="ko-KR" dirty="0"/>
+            <a:endParaRPr lang="ko-KR" altLang="en-US"/>
           </a:p>
           <a:p>
             <a:pPr lvl="2">
@@ -20407,26 +21193,26 @@
               <a:defRPr/>
             </a:pPr>
             <a:r>
-              <a:rPr lang="ko-KR" altLang="en-US" dirty="0"/>
+              <a:rPr lang="ko-KR" altLang="en-US"/>
               <a:t>투입 변수의 중요도 비교</a:t>
             </a:r>
             <a:r>
-              <a:rPr lang="en-US" altLang="ko-KR" dirty="0"/>
+              <a:rPr lang="en-US" altLang="ko-KR"/>
               <a:t>: </a:t>
             </a:r>
             <a:r>
-              <a:rPr lang="ko-KR" altLang="en-US" dirty="0"/>
+              <a:rPr lang="ko-KR" altLang="en-US"/>
               <a:t>두 모형에서 예측에서 활용한 중요도가 높은 변수가 일치하는지 탐색하며</a:t>
             </a:r>
             <a:r>
-              <a:rPr lang="en-US" altLang="ko-KR" dirty="0"/>
+              <a:rPr lang="en-US" altLang="ko-KR"/>
               <a:t>, </a:t>
             </a:r>
             <a:r>
-              <a:rPr lang="ko-KR" altLang="en-US" dirty="0"/>
+              <a:rPr lang="ko-KR" altLang="en-US"/>
               <a:t>투입 변수의 통제에 따라 모형의 예측력이 개선될 여지가 있는지 고찰</a:t>
             </a:r>
-            <a:endParaRPr lang="en-US" altLang="ko-KR" dirty="0"/>
+            <a:endParaRPr lang="ko-KR" altLang="en-US"/>
           </a:p>
           <a:p>
             <a:pPr lvl="3">
@@ -20436,18 +21222,18 @@
               <a:defRPr/>
             </a:pPr>
             <a:r>
-              <a:rPr lang="ko-KR" altLang="en-US" dirty="0"/>
+              <a:rPr lang="ko-KR" altLang="en-US"/>
               <a:t>최적 모형 간에 유사한 변수를 사용하였는지 여부 </a:t>
             </a:r>
             <a:r>
-              <a:rPr lang="en-US" altLang="ko-KR" dirty="0"/>
+              <a:rPr lang="en-US" altLang="ko-KR"/>
               <a:t>– </a:t>
             </a:r>
             <a:r>
-              <a:rPr lang="ko-KR" altLang="en-US" dirty="0"/>
+              <a:rPr lang="ko-KR" altLang="en-US"/>
               <a:t>여러 모형에서 공통적으로 중요도가 높은 변수가 무엇인지를 통해 노동시장에 영향을 주는 변수 탐색</a:t>
             </a:r>
-            <a:endParaRPr lang="en-US" altLang="ko-KR" dirty="0"/>
+            <a:endParaRPr lang="ko-KR" altLang="en-US"/>
           </a:p>
           <a:p>
             <a:pPr lvl="3">
@@ -20457,9 +21243,10 @@
               <a:defRPr/>
             </a:pPr>
             <a:r>
-              <a:rPr lang="ko-KR" altLang="en-US" dirty="0"/>
+              <a:rPr lang="ko-KR" altLang="en-US"/>
               <a:t>투입 변수 조정에 따른 모형의 설명력 개선 가능성 고찰</a:t>
             </a:r>
+            <a:endParaRPr lang="ko-KR" altLang="en-US"/>
           </a:p>
         </p:txBody>
       </p:sp>
@@ -20470,7 +21257,7 @@
             <a:spLocks noGrp="1"/>
           </p:cNvSpPr>
           <p:nvPr>
-            <p:ph type="title"/>
+            <p:ph type="title" idx="0"/>
           </p:nvPr>
         </p:nvSpPr>
         <p:spPr/>
@@ -20482,17 +21269,18 @@
               <a:defRPr/>
             </a:pPr>
             <a:r>
-              <a:rPr kumimoji="1" lang="ko-KR" altLang="en-US" dirty="0"/>
+              <a:rPr kumimoji="1" lang="ko-KR" altLang="en-US"/>
               <a:t>기계학습 모형 개량</a:t>
             </a:r>
             <a:r>
-              <a:rPr kumimoji="1" lang="en-US" altLang="ko-KR" dirty="0"/>
+              <a:rPr kumimoji="1" lang="en-US" altLang="ko-KR"/>
               <a:t>: </a:t>
             </a:r>
             <a:r>
-              <a:rPr kumimoji="1" lang="ko-KR" altLang="en-US" dirty="0"/>
+              <a:rPr kumimoji="1" lang="ko-KR" altLang="en-US"/>
               <a:t>개요</a:t>
             </a:r>
+            <a:endParaRPr kumimoji="1" lang="ko-KR" altLang="en-US"/>
           </a:p>
         </p:txBody>
       </p:sp>
@@ -20501,11 +21289,11 @@
   <p:clrMapOvr>
     <a:masterClrMapping/>
   </p:clrMapOvr>
-  <mc:AlternateContent xmlns:mc="http://schemas.openxmlformats.org/markup-compatibility/2006" xmlns:p14="http://schemas.microsoft.com/office/powerpoint/2010/main">
-    <mc:Choice Requires="p14">
-      <p:transition/>
+  <mc:AlternateContent xmlns:mc="http://schemas.openxmlformats.org/markup-compatibility/2006">
+    <mc:Choice xmlns:p14="http://schemas.microsoft.com/office/powerpoint/2010/main" Requires="p14">
+      <p:transition xmlns:mc="http://schemas.openxmlformats.org/markup-compatibility/2006" xmlns:p14="http://schemas.microsoft.com/office/powerpoint/2010/main" mc:Ignorable="p14" p14:dur="500"/>
     </mc:Choice>
-    <mc:Fallback xmlns="" xmlns:c="http://schemas.openxmlformats.org/drawingml/2006/chart" xmlns:dgm="http://schemas.openxmlformats.org/drawingml/2006/diagram" xmlns:dsp="http://schemas.microsoft.com/office/drawing/2008/diagram">
+    <mc:Fallback>
       <p:transition/>
     </mc:Fallback>
   </mc:AlternateContent>
@@ -40724,7 +41512,7 @@
 </file>
 
 <file path=ppt/slides/slide2.xml><?xml version="1.0" encoding="utf-8"?>
-<p:sld xmlns:a="http://schemas.openxmlformats.org/drawingml/2006/main" xmlns:r="http://schemas.openxmlformats.org/officeDocument/2006/relationships" xmlns:p="http://schemas.openxmlformats.org/presentationml/2006/main">
+<p:sld xmlns:r="http://schemas.openxmlformats.org/officeDocument/2006/relationships" xmlns:c="http://schemas.openxmlformats.org/drawingml/2006/chart" xmlns:a="http://schemas.openxmlformats.org/drawingml/2006/main" xmlns:dgm="http://schemas.openxmlformats.org/drawingml/2006/diagram" xmlns:dsp="http://schemas.microsoft.com/office/drawing/2008/diagram" xmlns:p="http://schemas.openxmlformats.org/presentationml/2006/main">
   <p:cSld>
     <p:spTree>
       <p:nvGrpSpPr>
@@ -40742,13 +41530,7 @@
       </p:grpSpPr>
       <p:sp>
         <p:nvSpPr>
-          <p:cNvPr id="3" name="내용 개체 틀 2">
-            <a:extLst>
-              <a:ext uri="{FF2B5EF4-FFF2-40B4-BE49-F238E27FC236}">
-                <a16:creationId xmlns:a16="http://schemas.microsoft.com/office/drawing/2014/main" id="{426DE348-D8E3-3474-81DC-7350C32C42CB}"/>
-              </a:ext>
-            </a:extLst>
-          </p:cNvPr>
+          <p:cNvPr id="3" name="내용 개체 틀 2"/>
           <p:cNvSpPr>
             <a:spLocks noGrp="1"/>
           </p:cNvSpPr>
@@ -40768,13 +41550,14 @@
           </a:bodyPr>
           <a:lstStyle/>
           <a:p>
-            <a:pPr>
+            <a:pPr lvl="0">
               <a:lnSpc>
                 <a:spcPct val="150000"/>
               </a:lnSpc>
+              <a:defRPr/>
             </a:pPr>
             <a:r>
-              <a:rPr kumimoji="1" lang="en-US" altLang="ko-KR" sz="1800" dirty="0">
+              <a:rPr kumimoji="1" lang="en-US" altLang="ko-KR" sz="1800">
                 <a:solidFill>
                   <a:schemeClr val="tx1">
                     <a:lumMod val="65000"/>
@@ -40786,7 +41569,7 @@
               <a:t>HA</a:t>
             </a:r>
             <a:r>
-              <a:rPr kumimoji="1" lang="ko-KR" altLang="en-US" sz="1800" dirty="0">
+              <a:rPr kumimoji="1" lang="ko-KR" altLang="en-US" sz="1800">
                 <a:solidFill>
                   <a:schemeClr val="tx1">
                     <a:lumMod val="65000"/>
@@ -40798,7 +41581,7 @@
               <a:t> </a:t>
             </a:r>
             <a:r>
-              <a:rPr kumimoji="1" lang="en-US" altLang="ko-KR" sz="1800" dirty="0">
+              <a:rPr kumimoji="1" lang="en-US" altLang="ko-KR" sz="1800">
                 <a:solidFill>
                   <a:schemeClr val="tx1">
                     <a:lumMod val="65000"/>
@@ -40810,7 +41593,7 @@
               <a:t>–</a:t>
             </a:r>
             <a:r>
-              <a:rPr kumimoji="1" lang="ko-KR" altLang="en-US" sz="1800" dirty="0">
+              <a:rPr kumimoji="1" lang="ko-KR" altLang="en-US" sz="1800">
                 <a:solidFill>
                   <a:schemeClr val="tx1">
                     <a:lumMod val="65000"/>
@@ -40822,7 +41605,7 @@
               <a:t> </a:t>
             </a:r>
             <a:r>
-              <a:rPr kumimoji="1" lang="en-US" altLang="ko-KR" sz="1800" dirty="0">
+              <a:rPr kumimoji="1" lang="en-US" altLang="ko-KR" sz="1800">
                 <a:solidFill>
                   <a:schemeClr val="tx1">
                     <a:lumMod val="65000"/>
@@ -40834,7 +41617,7 @@
               <a:t>DSGE</a:t>
             </a:r>
             <a:r>
-              <a:rPr kumimoji="1" lang="ko-KR" altLang="en-US" sz="1800" dirty="0">
+              <a:rPr kumimoji="1" lang="ko-KR" altLang="en-US" sz="1800">
                 <a:solidFill>
                   <a:schemeClr val="tx1">
                     <a:lumMod val="65000"/>
@@ -40845,7 +41628,7 @@
               </a:rPr>
               <a:t> 모형</a:t>
             </a:r>
-            <a:endParaRPr kumimoji="1" lang="en-US" altLang="ko-KR" sz="1800" dirty="0">
+            <a:endParaRPr kumimoji="1" lang="ko-KR" altLang="en-US" sz="1800">
               <a:solidFill>
                 <a:schemeClr val="tx1">
                   <a:lumMod val="65000"/>
@@ -40860,9 +41643,10 @@
               <a:lnSpc>
                 <a:spcPct val="150000"/>
               </a:lnSpc>
+              <a:defRPr/>
             </a:pPr>
             <a:r>
-              <a:rPr kumimoji="1" lang="en-US" altLang="ko-KR" sz="1400" dirty="0">
+              <a:rPr kumimoji="1" lang="en-US" altLang="ko-KR" sz="1400">
                 <a:solidFill>
                   <a:schemeClr val="tx1">
                     <a:lumMod val="65000"/>
@@ -40874,7 +41658,7 @@
               <a:t>Continuous Time model: </a:t>
             </a:r>
             <a:r>
-              <a:rPr kumimoji="1" lang="ko-KR" altLang="en-US" sz="1400" dirty="0">
+              <a:rPr kumimoji="1" lang="ko-KR" altLang="en-US" sz="1400">
                 <a:solidFill>
                   <a:schemeClr val="tx1">
                     <a:lumMod val="65000"/>
@@ -40885,7 +41669,7 @@
               </a:rPr>
               <a:t>초기값 불안정성 → 개발중단</a:t>
             </a:r>
-            <a:endParaRPr kumimoji="1" lang="en-US" altLang="ko-KR" sz="1400" dirty="0">
+            <a:endParaRPr kumimoji="1" lang="ko-KR" altLang="en-US" sz="1400">
               <a:solidFill>
                 <a:schemeClr val="tx1">
                   <a:lumMod val="65000"/>
@@ -40900,9 +41684,58 @@
               <a:lnSpc>
                 <a:spcPct val="150000"/>
               </a:lnSpc>
+              <a:defRPr/>
             </a:pPr>
             <a:r>
-              <a:rPr kumimoji="1" lang="en-US" altLang="ko-KR" sz="1400" dirty="0">
+              <a:rPr kumimoji="1" lang="en-US" altLang="ko-KR" sz="1400">
+                <a:solidFill>
+                  <a:schemeClr val="tx1">
+                    <a:lumMod val="65000"/>
+                    <a:lumOff val="35000"/>
+                  </a:schemeClr>
+                </a:solidFill>
+                <a:latin typeface="+mn-lt"/>
+              </a:rPr>
+              <a:t>HANK </a:t>
+            </a:r>
+            <a:r>
+              <a:rPr kumimoji="1" lang="ko-KR" altLang="en-US" sz="1400">
+                <a:solidFill>
+                  <a:schemeClr val="tx1">
+                    <a:lumMod val="65000"/>
+                    <a:lumOff val="35000"/>
+                  </a:schemeClr>
+                </a:solidFill>
+                <a:latin typeface="+mn-lt"/>
+              </a:rPr>
+              <a:t>모형 구축</a:t>
+            </a:r>
+            <a:r>
+              <a:rPr kumimoji="1" lang="en-US" altLang="ko-KR" sz="1400">
+                <a:solidFill>
+                  <a:schemeClr val="tx1">
+                    <a:lumMod val="65000"/>
+                    <a:lumOff val="35000"/>
+                  </a:schemeClr>
+                </a:solidFill>
+                <a:latin typeface="+mn-lt"/>
+              </a:rPr>
+              <a:t>:</a:t>
+            </a:r>
+            <a:r>
+              <a:rPr kumimoji="1" lang="ko-KR" altLang="en-US" sz="1400">
+                <a:solidFill>
+                  <a:schemeClr val="tx1">
+                    <a:lumMod val="65000"/>
+                    <a:lumOff val="35000"/>
+                  </a:schemeClr>
+                </a:solidFill>
+                <a:latin typeface="+mn-lt"/>
+              </a:rPr>
+              <a:t> </a:t>
+            </a:r>
+            <a:r>
+              <a:rPr kumimoji="1" lang="en-US" altLang="ko-KR" sz="1400">
                 <a:solidFill>
                   <a:schemeClr val="tx1">
                     <a:lumMod val="65000"/>
@@ -40914,7 +41747,7 @@
               <a:t>Discrete Time model: Sequence-Space</a:t>
             </a:r>
             <a:r>
-              <a:rPr kumimoji="1" lang="ko-KR" altLang="en-US" sz="1400" dirty="0">
+              <a:rPr kumimoji="1" lang="ko-KR" altLang="en-US" sz="1400">
                 <a:solidFill>
                   <a:schemeClr val="tx1">
                     <a:lumMod val="65000"/>
@@ -40926,7 +41759,7 @@
               <a:t> </a:t>
             </a:r>
             <a:r>
-              <a:rPr kumimoji="1" lang="en-US" altLang="ko-KR" sz="1400" dirty="0">
+              <a:rPr kumimoji="1" lang="en-US" altLang="ko-KR" sz="1400">
                 <a:solidFill>
                   <a:schemeClr val="tx1">
                     <a:lumMod val="65000"/>
@@ -40938,7 +41771,7 @@
               <a:t>Jacobian</a:t>
             </a:r>
             <a:r>
-              <a:rPr kumimoji="1" lang="ko-KR" altLang="en-US" sz="1400" dirty="0">
+              <a:rPr kumimoji="1" lang="ko-KR" altLang="en-US" sz="1400">
                 <a:solidFill>
                   <a:schemeClr val="tx1">
                     <a:lumMod val="65000"/>
@@ -40950,7 +41783,7 @@
               <a:t> </a:t>
             </a:r>
             <a:r>
-              <a:rPr kumimoji="1" lang="en-US" altLang="ko-KR" sz="1400" dirty="0">
+              <a:rPr kumimoji="1" lang="en-US" altLang="ko-KR" sz="1400">
                 <a:solidFill>
                   <a:schemeClr val="tx1">
                     <a:lumMod val="65000"/>
@@ -40962,7 +41795,7 @@
               <a:t>Toolbox </a:t>
             </a:r>
             <a:r>
-              <a:rPr kumimoji="1" lang="ko-KR" altLang="en-US" sz="1400" dirty="0">
+              <a:rPr kumimoji="1" lang="ko-KR" altLang="en-US" sz="1400">
                 <a:solidFill>
                   <a:schemeClr val="tx1">
                     <a:lumMod val="65000"/>
@@ -40971,33 +41804,9 @@
                 </a:solidFill>
                 <a:latin typeface="+mn-lt"/>
               </a:rPr>
-              <a:t>활용하여 </a:t>
-            </a:r>
-            <a:r>
-              <a:rPr kumimoji="1" lang="en-US" altLang="ko-KR" sz="1400" dirty="0">
-                <a:solidFill>
-                  <a:schemeClr val="tx1">
-                    <a:lumMod val="65000"/>
-                    <a:lumOff val="35000"/>
-                  </a:schemeClr>
-                </a:solidFill>
-                <a:latin typeface="+mn-lt"/>
-              </a:rPr>
-              <a:t>HANK </a:t>
-            </a:r>
-            <a:r>
-              <a:rPr kumimoji="1" lang="ko-KR" altLang="en-US" sz="1400" dirty="0">
-                <a:solidFill>
-                  <a:schemeClr val="tx1">
-                    <a:lumMod val="65000"/>
-                    <a:lumOff val="35000"/>
-                  </a:schemeClr>
-                </a:solidFill>
-                <a:latin typeface="+mn-lt"/>
-              </a:rPr>
-              <a:t>기본모형 개발</a:t>
-            </a:r>
-            <a:endParaRPr kumimoji="1" lang="en-US" altLang="ko-KR" sz="1400" dirty="0">
+              <a:t>활용</a:t>
+            </a:r>
+            <a:endParaRPr kumimoji="1" lang="ko-KR" altLang="en-US" sz="1400">
               <a:solidFill>
                 <a:schemeClr val="tx1">
                   <a:lumMod val="65000"/>
@@ -41012,9 +41821,10 @@
               <a:lnSpc>
                 <a:spcPct val="150000"/>
               </a:lnSpc>
+              <a:defRPr/>
             </a:pPr>
             <a:r>
-              <a:rPr kumimoji="1" lang="en-US" altLang="ko-KR" sz="1400" dirty="0">
+              <a:rPr kumimoji="1" lang="en-US" altLang="ko-KR" sz="1400">
                 <a:solidFill>
                   <a:schemeClr val="tx1">
                     <a:lumMod val="65000"/>
@@ -41026,7 +41836,7 @@
               <a:t>2023</a:t>
             </a:r>
             <a:r>
-              <a:rPr kumimoji="1" lang="ko-KR" altLang="en-US" sz="1400" dirty="0">
+              <a:rPr kumimoji="1" lang="ko-KR" altLang="en-US" sz="1400">
                 <a:solidFill>
                   <a:schemeClr val="tx1">
                     <a:lumMod val="65000"/>
@@ -41038,7 +41848,7 @@
               <a:t>년</a:t>
             </a:r>
             <a:r>
-              <a:rPr kumimoji="1" lang="en-US" altLang="ko-KR" sz="1400" dirty="0">
+              <a:rPr kumimoji="1" lang="en-US" altLang="ko-KR" sz="1400">
                 <a:solidFill>
                   <a:schemeClr val="tx1">
                     <a:lumMod val="65000"/>
@@ -41050,7 +41860,7 @@
               <a:t>: Sticky wage model</a:t>
             </a:r>
             <a:r>
-              <a:rPr kumimoji="1" lang="ko-KR" altLang="en-US" sz="1400" dirty="0">
+              <a:rPr kumimoji="1" lang="ko-KR" altLang="en-US" sz="1400">
                 <a:solidFill>
                   <a:schemeClr val="tx1">
                     <a:lumMod val="65000"/>
@@ -41061,7 +41871,7 @@
               </a:rPr>
               <a:t>을 활용한 정부지출 효과 분석</a:t>
             </a:r>
-            <a:endParaRPr kumimoji="1" lang="en-US" altLang="ko-KR" sz="1400" dirty="0">
+            <a:endParaRPr kumimoji="1" lang="ko-KR" altLang="en-US" sz="1400">
               <a:solidFill>
                 <a:schemeClr val="tx1">
                   <a:lumMod val="65000"/>
@@ -41072,12 +41882,13 @@
             </a:endParaRPr>
           </a:p>
           <a:p>
-            <a:pPr>
+            <a:pPr lvl="0">
               <a:lnSpc>
                 <a:spcPct val="150000"/>
               </a:lnSpc>
+              <a:defRPr/>
             </a:pPr>
-            <a:endParaRPr kumimoji="1" lang="en-US" altLang="ko-KR" sz="1800" dirty="0">
+            <a:endParaRPr kumimoji="1" lang="en-US" altLang="ko-KR" sz="1800">
               <a:solidFill>
                 <a:schemeClr val="tx1">
                   <a:lumMod val="65000"/>
@@ -41088,13 +41899,14 @@
             </a:endParaRPr>
           </a:p>
           <a:p>
-            <a:pPr>
+            <a:pPr lvl="0">
               <a:lnSpc>
                 <a:spcPct val="150000"/>
               </a:lnSpc>
+              <a:defRPr/>
             </a:pPr>
             <a:r>
-              <a:rPr kumimoji="1" lang="ko-KR" altLang="en-US" sz="1800" dirty="0">
+              <a:rPr kumimoji="1" lang="ko-KR" altLang="en-US" sz="1800">
                 <a:solidFill>
                   <a:schemeClr val="tx1">
                     <a:lumMod val="65000"/>
@@ -41105,7 +41917,7 @@
               </a:rPr>
               <a:t>기계학습 모형 개량</a:t>
             </a:r>
-            <a:endParaRPr kumimoji="1" lang="en-US" altLang="ko-KR" sz="1800" dirty="0">
+            <a:endParaRPr kumimoji="1" lang="ko-KR" altLang="en-US" sz="1800">
               <a:solidFill>
                 <a:schemeClr val="tx1">
                   <a:lumMod val="65000"/>
@@ -41120,9 +41932,10 @@
               <a:lnSpc>
                 <a:spcPct val="150000"/>
               </a:lnSpc>
+              <a:defRPr/>
             </a:pPr>
             <a:r>
-              <a:rPr kumimoji="1" lang="ko-KR" altLang="en-US" sz="1400" dirty="0">
+              <a:rPr kumimoji="1" lang="ko-KR" altLang="en-US" sz="1400">
                 <a:solidFill>
                   <a:schemeClr val="tx1">
                     <a:lumMod val="65000"/>
@@ -41134,7 +41947,7 @@
               <a:t>노동시장 변수를 포함한</a:t>
             </a:r>
             <a:r>
-              <a:rPr kumimoji="1" lang="en-US" altLang="ko-KR" sz="1400" dirty="0">
+              <a:rPr kumimoji="1" lang="en-US" altLang="ko-KR" sz="1400">
                 <a:solidFill>
                   <a:schemeClr val="tx1">
                     <a:lumMod val="65000"/>
@@ -41146,7 +41959,7 @@
               <a:t> </a:t>
             </a:r>
             <a:r>
-              <a:rPr kumimoji="1" lang="ko-KR" altLang="en-US" sz="1400" dirty="0">
+              <a:rPr kumimoji="1" lang="ko-KR" altLang="en-US" sz="1400">
                 <a:solidFill>
                   <a:schemeClr val="tx1">
                     <a:lumMod val="65000"/>
@@ -41158,7 +41971,7 @@
               <a:t>모든 정형데이터 등을 활용하여 어떤 변수가 고용률 전망에 더 도움되는지를 확인하고 실무</a:t>
             </a:r>
             <a:r>
-              <a:rPr kumimoji="1" lang="en-US" altLang="ko-KR" sz="1400" dirty="0">
+              <a:rPr kumimoji="1" lang="en-US" altLang="ko-KR" sz="1400">
                 <a:solidFill>
                   <a:schemeClr val="tx1">
                     <a:lumMod val="65000"/>
@@ -41170,7 +41983,7 @@
               <a:t>(=</a:t>
             </a:r>
             <a:r>
-              <a:rPr kumimoji="1" lang="ko-KR" altLang="en-US" sz="1400" dirty="0" err="1">
+              <a:rPr kumimoji="1" lang="ko-KR" altLang="en-US" sz="1400">
                 <a:solidFill>
                   <a:schemeClr val="tx1">
                     <a:lumMod val="65000"/>
@@ -41179,22 +41992,10 @@
                 </a:solidFill>
                 <a:latin typeface="+mn-lt"/>
               </a:rPr>
-              <a:t>노동연</a:t>
-            </a:r>
-            <a:r>
-              <a:rPr kumimoji="1" lang="ko-KR" altLang="en-US" sz="1400" dirty="0">
-                <a:solidFill>
-                  <a:schemeClr val="tx1">
-                    <a:lumMod val="65000"/>
-                    <a:lumOff val="35000"/>
-                  </a:schemeClr>
-                </a:solidFill>
-                <a:latin typeface="+mn-lt"/>
-              </a:rPr>
-              <a:t> 전망작업</a:t>
-            </a:r>
-            <a:r>
-              <a:rPr kumimoji="1" lang="en-US" altLang="ko-KR" sz="1400" dirty="0">
+              <a:t>노동연 전망작업</a:t>
+            </a:r>
+            <a:r>
+              <a:rPr kumimoji="1" lang="en-US" altLang="ko-KR" sz="1400">
                 <a:solidFill>
                   <a:schemeClr val="tx1">
                     <a:lumMod val="65000"/>
@@ -41206,7 +42007,7 @@
               <a:t>)</a:t>
             </a:r>
             <a:r>
-              <a:rPr kumimoji="1" lang="ko-KR" altLang="en-US" sz="1400" dirty="0">
+              <a:rPr kumimoji="1" lang="ko-KR" altLang="en-US" sz="1400">
                 <a:solidFill>
                   <a:schemeClr val="tx1">
                     <a:lumMod val="65000"/>
@@ -41217,7 +42018,7 @@
               </a:rPr>
               <a:t>에 활용 가능하도록 모형 개량</a:t>
             </a:r>
-            <a:endParaRPr kumimoji="1" lang="en-US" altLang="ko-KR" sz="1400" dirty="0">
+            <a:endParaRPr kumimoji="1" lang="ko-KR" altLang="en-US" sz="1400">
               <a:solidFill>
                 <a:schemeClr val="tx1">
                   <a:lumMod val="65000"/>
@@ -41232,8 +42033,9 @@
               <a:lnSpc>
                 <a:spcPct val="150000"/>
               </a:lnSpc>
+              <a:defRPr/>
             </a:pPr>
-            <a:endParaRPr kumimoji="1" lang="en-US" altLang="ko-KR" sz="1400" dirty="0">
+            <a:endParaRPr kumimoji="1" lang="en-US" altLang="ko-KR" sz="1400">
               <a:solidFill>
                 <a:schemeClr val="tx1">
                   <a:lumMod val="65000"/>
@@ -41244,13 +42046,14 @@
             </a:endParaRPr>
           </a:p>
           <a:p>
-            <a:pPr>
+            <a:pPr lvl="0">
               <a:lnSpc>
                 <a:spcPct val="150000"/>
               </a:lnSpc>
+              <a:defRPr/>
             </a:pPr>
             <a:r>
-              <a:rPr kumimoji="1" lang="en-US" altLang="ko-KR" sz="1800" dirty="0" err="1">
+              <a:rPr kumimoji="1" lang="en-US" altLang="ko-KR" sz="1800">
                 <a:solidFill>
                   <a:schemeClr val="tx1">
                     <a:lumMod val="65000"/>
@@ -41259,22 +42062,10 @@
                 </a:solidFill>
                 <a:latin typeface="+mn-lt"/>
               </a:rPr>
-              <a:t>fVAR</a:t>
-            </a:r>
-            <a:r>
-              <a:rPr kumimoji="1" lang="en-US" altLang="ko-KR" sz="1800" dirty="0">
-                <a:solidFill>
-                  <a:schemeClr val="tx1">
-                    <a:lumMod val="65000"/>
-                    <a:lumOff val="35000"/>
-                  </a:schemeClr>
-                </a:solidFill>
-                <a:latin typeface="+mn-lt"/>
-              </a:rPr>
-              <a:t> </a:t>
-            </a:r>
-            <a:r>
-              <a:rPr kumimoji="1" lang="ko-KR" altLang="en-US" sz="1800" dirty="0">
+              <a:t>fVAR </a:t>
+            </a:r>
+            <a:r>
+              <a:rPr kumimoji="1" lang="ko-KR" altLang="en-US" sz="1800">
                 <a:solidFill>
                   <a:schemeClr val="tx1">
                     <a:lumMod val="65000"/>
@@ -41285,7 +42076,7 @@
               </a:rPr>
               <a:t>모형 개량</a:t>
             </a:r>
-            <a:endParaRPr kumimoji="1" lang="en-US" altLang="ko-KR" sz="1800" dirty="0">
+            <a:endParaRPr kumimoji="1" lang="ko-KR" altLang="en-US" sz="1800">
               <a:solidFill>
                 <a:schemeClr val="tx1">
                   <a:lumMod val="65000"/>
@@ -41300,9 +42091,10 @@
               <a:lnSpc>
                 <a:spcPct val="150000"/>
               </a:lnSpc>
+              <a:defRPr/>
             </a:pPr>
             <a:r>
-              <a:rPr kumimoji="1" lang="ko-KR" altLang="en-US" sz="1400" dirty="0">
+              <a:rPr kumimoji="1" lang="ko-KR" altLang="en-US" sz="1400">
                 <a:solidFill>
                   <a:schemeClr val="tx1">
                     <a:lumMod val="65000"/>
@@ -41311,34 +42103,10 @@
                 </a:solidFill>
                 <a:latin typeface="+mn-lt"/>
               </a:rPr>
-              <a:t>기존 </a:t>
-            </a:r>
-            <a:r>
-              <a:rPr kumimoji="1" lang="ko-KR" altLang="en-US" sz="1400" dirty="0" err="1">
-                <a:solidFill>
-                  <a:schemeClr val="tx1">
-                    <a:lumMod val="65000"/>
-                    <a:lumOff val="35000"/>
-                  </a:schemeClr>
-                </a:solidFill>
-                <a:latin typeface="+mn-lt"/>
-              </a:rPr>
-              <a:t>정부승수</a:t>
-            </a:r>
-            <a:r>
-              <a:rPr kumimoji="1" lang="ko-KR" altLang="en-US" sz="1400" dirty="0">
-                <a:solidFill>
-                  <a:schemeClr val="tx1">
-                    <a:lumMod val="65000"/>
-                    <a:lumOff val="35000"/>
-                  </a:schemeClr>
-                </a:solidFill>
-                <a:latin typeface="+mn-lt"/>
-              </a:rPr>
-              <a:t> 추정</a:t>
-            </a:r>
-            <a:r>
-              <a:rPr kumimoji="1" lang="en-US" altLang="ko-KR" sz="1400" dirty="0">
+              <a:t>기존 정부승수 추정</a:t>
+            </a:r>
+            <a:r>
+              <a:rPr kumimoji="1" lang="en-US" altLang="ko-KR" sz="1400">
                 <a:solidFill>
                   <a:schemeClr val="tx1">
                     <a:lumMod val="65000"/>
@@ -41350,7 +42118,7 @@
               <a:t>(inference) </a:t>
             </a:r>
             <a:r>
-              <a:rPr kumimoji="1" lang="ko-KR" altLang="en-US" sz="1400" dirty="0">
+              <a:rPr kumimoji="1" lang="ko-KR" altLang="en-US" sz="1400">
                 <a:solidFill>
                   <a:schemeClr val="tx1">
                     <a:lumMod val="65000"/>
@@ -41382,7 +42150,40 @@
               </a:rPr>
               <a:t>까지 확장</a:t>
             </a:r>
-            <a:endParaRPr kumimoji="1" lang="en-US" altLang="ko-KR" sz="1400" dirty="0">
+            <a:endParaRPr kumimoji="1" lang="ko-KR" altLang="en-US" sz="1400">
+              <a:solidFill>
+                <a:schemeClr val="tx1">
+                  <a:lumMod val="65000"/>
+                  <a:lumOff val="35000"/>
+                </a:schemeClr>
+              </a:solidFill>
+            </a:endParaRPr>
+          </a:p>
+          <a:p>
+            <a:pPr lvl="1">
+              <a:lnSpc>
+                <a:spcPct val="150000"/>
+              </a:lnSpc>
+              <a:defRPr/>
+            </a:pPr>
+            <a:endParaRPr kumimoji="1" lang="en-US" altLang="ko-KR" sz="1400">
+              <a:solidFill>
+                <a:schemeClr val="tx1">
+                  <a:lumMod val="65000"/>
+                  <a:lumOff val="35000"/>
+                </a:schemeClr>
+              </a:solidFill>
+              <a:latin typeface="+mn-lt"/>
+            </a:endParaRPr>
+          </a:p>
+          <a:p>
+            <a:pPr lvl="0">
+              <a:lnSpc>
+                <a:spcPct val="150000"/>
+              </a:lnSpc>
+              <a:defRPr/>
+            </a:pPr>
+            <a:endParaRPr kumimoji="1" lang="en-US" altLang="ko-KR" sz="1800">
               <a:solidFill>
                 <a:schemeClr val="tx1">
                   <a:lumMod val="65000"/>
@@ -41397,8 +42198,9 @@
               <a:lnSpc>
                 <a:spcPct val="150000"/>
               </a:lnSpc>
+              <a:defRPr/>
             </a:pPr>
-            <a:endParaRPr kumimoji="1" lang="en-US" altLang="ko-KR" sz="1400" dirty="0">
+            <a:endParaRPr kumimoji="1" lang="en-US" altLang="ko-KR" sz="1400">
               <a:solidFill>
                 <a:schemeClr val="tx1">
                   <a:lumMod val="65000"/>
@@ -41409,44 +42211,13 @@
             </a:endParaRPr>
           </a:p>
           <a:p>
-            <a:pPr>
+            <a:pPr lvl="0">
               <a:lnSpc>
                 <a:spcPct val="150000"/>
               </a:lnSpc>
+              <a:defRPr/>
             </a:pPr>
-            <a:endParaRPr kumimoji="1" lang="en-US" altLang="ko-KR" sz="1800" dirty="0">
-              <a:solidFill>
-                <a:schemeClr val="tx1">
-                  <a:lumMod val="65000"/>
-                  <a:lumOff val="35000"/>
-                </a:schemeClr>
-              </a:solidFill>
-              <a:latin typeface="+mn-lt"/>
-            </a:endParaRPr>
-          </a:p>
-          <a:p>
-            <a:pPr lvl="1">
-              <a:lnSpc>
-                <a:spcPct val="150000"/>
-              </a:lnSpc>
-            </a:pPr>
-            <a:endParaRPr kumimoji="1" lang="en-US" altLang="ko-KR" sz="1400" dirty="0">
-              <a:solidFill>
-                <a:schemeClr val="tx1">
-                  <a:lumMod val="65000"/>
-                  <a:lumOff val="35000"/>
-                </a:schemeClr>
-              </a:solidFill>
-              <a:latin typeface="+mn-lt"/>
-            </a:endParaRPr>
-          </a:p>
-          <a:p>
-            <a:pPr>
-              <a:lnSpc>
-                <a:spcPct val="150000"/>
-              </a:lnSpc>
-            </a:pPr>
-            <a:endParaRPr kumimoji="1" lang="ko-Kore-KR" altLang="en-US" sz="1800" dirty="0">
+            <a:endParaRPr kumimoji="1" lang="ko-Kore-KR" altLang="en-US" sz="1800">
               <a:solidFill>
                 <a:schemeClr val="tx1">
                   <a:lumMod val="65000"/>
@@ -41460,18 +42231,12 @@
       </p:sp>
       <p:sp>
         <p:nvSpPr>
-          <p:cNvPr id="2" name="제목 1">
-            <a:extLst>
-              <a:ext uri="{FF2B5EF4-FFF2-40B4-BE49-F238E27FC236}">
-                <a16:creationId xmlns:a16="http://schemas.microsoft.com/office/drawing/2014/main" id="{9C2D7097-0ED7-2541-0697-B94178EEDF79}"/>
-              </a:ext>
-            </a:extLst>
-          </p:cNvPr>
+          <p:cNvPr id="2" name="제목 1"/>
           <p:cNvSpPr>
             <a:spLocks noGrp="1"/>
           </p:cNvSpPr>
           <p:nvPr>
-            <p:ph type="title"/>
+            <p:ph type="title" idx="0"/>
           </p:nvPr>
         </p:nvSpPr>
         <p:spPr>
@@ -41484,51 +42249,57 @@
           <a:bodyPr/>
           <a:lstStyle/>
           <a:p>
-            <a:r>
-              <a:rPr kumimoji="1" lang="en-US" altLang="en-US" dirty="0">
+            <a:pPr lvl="0">
+              <a:defRPr/>
+            </a:pPr>
+            <a:r>
+              <a:rPr kumimoji="1" lang="en-US" altLang="en-US">
                 <a:latin typeface="+mj-lt"/>
               </a:rPr>
               <a:t>2023</a:t>
             </a:r>
             <a:r>
-              <a:rPr kumimoji="1" lang="ko-KR" altLang="en-US" dirty="0">
+              <a:rPr kumimoji="1" lang="ko-KR" altLang="en-US">
                 <a:latin typeface="+mj-lt"/>
               </a:rPr>
               <a:t>년 연구성과</a:t>
             </a:r>
             <a:r>
-              <a:rPr kumimoji="1" lang="en-US" altLang="ko-KR" dirty="0">
+              <a:rPr kumimoji="1" lang="en-US" altLang="ko-KR">
                 <a:latin typeface="+mj-lt"/>
               </a:rPr>
               <a:t>: </a:t>
             </a:r>
             <a:r>
-              <a:rPr kumimoji="1" lang="ko-KR" altLang="en-US" dirty="0">
+              <a:rPr kumimoji="1" lang="ko-KR" altLang="en-US">
                 <a:latin typeface="+mj-lt"/>
               </a:rPr>
               <a:t>요약</a:t>
             </a:r>
-            <a:endParaRPr kumimoji="1" lang="ko-Kore-KR" altLang="en-US" dirty="0">
+            <a:endParaRPr kumimoji="1" lang="ko-Kore-KR" altLang="en-US">
               <a:latin typeface="+mj-lt"/>
             </a:endParaRPr>
           </a:p>
         </p:txBody>
       </p:sp>
     </p:spTree>
-    <p:extLst>
-      <p:ext uri="{BB962C8B-B14F-4D97-AF65-F5344CB8AC3E}">
-        <p14:creationId xmlns:p14="http://schemas.microsoft.com/office/powerpoint/2010/main" val="1924092035"/>
-      </p:ext>
-    </p:extLst>
   </p:cSld>
   <p:clrMapOvr>
     <a:masterClrMapping/>
   </p:clrMapOvr>
+  <mc:AlternateContent xmlns:mc="http://schemas.openxmlformats.org/markup-compatibility/2006">
+    <mc:Choice xmlns:p14="http://schemas.microsoft.com/office/powerpoint/2010/main" Requires="p14">
+      <p:transition xmlns:mc="http://schemas.openxmlformats.org/markup-compatibility/2006" xmlns:p14="http://schemas.microsoft.com/office/powerpoint/2010/main" mc:Ignorable="p14" p14:dur="500"/>
+    </mc:Choice>
+    <mc:Fallback>
+      <p:transition/>
+    </mc:Fallback>
+  </mc:AlternateContent>
 </p:sld>
 </file>
 
 <file path=ppt/slides/slide20.xml><?xml version="1.0" encoding="utf-8"?>
-<p:sld xmlns:a="http://schemas.openxmlformats.org/drawingml/2006/main" xmlns:r="http://schemas.openxmlformats.org/officeDocument/2006/relationships" xmlns:p="http://schemas.openxmlformats.org/presentationml/2006/main">
+<p:sld xmlns:r="http://schemas.openxmlformats.org/officeDocument/2006/relationships" xmlns:c="http://schemas.openxmlformats.org/drawingml/2006/chart" xmlns:a="http://schemas.openxmlformats.org/drawingml/2006/main" xmlns:dgm="http://schemas.openxmlformats.org/drawingml/2006/diagram" xmlns:dsp="http://schemas.microsoft.com/office/drawing/2008/diagram" xmlns:p="http://schemas.openxmlformats.org/presentationml/2006/main">
   <p:cSld>
     <p:spTree>
       <p:nvGrpSpPr>
@@ -41557,7 +42328,7 @@
         <p:spPr/>
         <p:txBody>
           <a:bodyPr>
-            <a:normAutofit fontScale="70000" lnSpcReduction="20000"/>
+            <a:normAutofit fontScale="77500" lnSpcReduction="20000"/>
           </a:bodyPr>
           <a:lstStyle/>
           <a:p>
@@ -41568,14 +42339,14 @@
               <a:defRPr/>
             </a:pPr>
             <a:r>
-              <a:rPr lang="en-US" altLang="en-US" dirty="0"/>
+              <a:rPr lang="en-US" altLang="en-US"/>
               <a:t>Machine learning model</a:t>
             </a:r>
             <a:r>
-              <a:rPr lang="ko-KR" altLang="en-US" dirty="0"/>
+              <a:rPr lang="ko-KR" altLang="en-US"/>
               <a:t>을 이용한 노동시장 주요 변수 예측 관련 금년도 계획과 연결된 후속 연도 개발 계획</a:t>
             </a:r>
-            <a:endParaRPr lang="en-US" altLang="ko-KR" dirty="0"/>
+            <a:endParaRPr lang="ko-KR" altLang="en-US"/>
           </a:p>
           <a:p>
             <a:pPr lvl="1">
@@ -41584,7 +42355,7 @@
               </a:lnSpc>
               <a:defRPr/>
             </a:pPr>
-            <a:endParaRPr lang="en-US" altLang="ko-KR" dirty="0"/>
+            <a:endParaRPr lang="en-US" altLang="ko-KR"/>
           </a:p>
           <a:p>
             <a:pPr lvl="1">
@@ -41594,22 +42365,22 @@
               <a:defRPr/>
             </a:pPr>
             <a:r>
-              <a:rPr lang="en-US" altLang="ko-KR" dirty="0"/>
+              <a:rPr lang="en-US" altLang="ko-KR"/>
               <a:t>Point 1: </a:t>
             </a:r>
             <a:r>
-              <a:rPr lang="ko-KR" altLang="en-US" dirty="0"/>
+              <a:rPr lang="ko-KR" altLang="en-US"/>
               <a:t>투입 변수까지 조절한 </a:t>
             </a:r>
             <a:r>
-              <a:rPr lang="en-US" altLang="ko-KR" dirty="0"/>
+              <a:rPr lang="en-US" altLang="ko-KR"/>
               <a:t>best performing model</a:t>
             </a:r>
             <a:r>
-              <a:rPr lang="ko-KR" altLang="en-US" dirty="0"/>
+              <a:rPr lang="ko-KR" altLang="en-US"/>
               <a:t> 탐색</a:t>
             </a:r>
-            <a:endParaRPr lang="en-US" altLang="ko-KR" dirty="0"/>
+            <a:endParaRPr lang="ko-KR" altLang="en-US"/>
           </a:p>
           <a:p>
             <a:pPr lvl="2">
@@ -41619,26 +42390,26 @@
               <a:defRPr/>
             </a:pPr>
             <a:r>
-              <a:rPr lang="ko-KR" altLang="en-US" dirty="0"/>
+              <a:rPr lang="ko-KR" altLang="en-US"/>
               <a:t>모형에 투입하는 정형 데이터를 조절하여 모형</a:t>
             </a:r>
             <a:r>
-              <a:rPr lang="en-US" altLang="ko-KR" dirty="0"/>
+              <a:rPr lang="en-US" altLang="ko-KR"/>
               <a:t>-</a:t>
             </a:r>
             <a:r>
-              <a:rPr lang="ko-KR" altLang="en-US" dirty="0"/>
+              <a:rPr lang="ko-KR" altLang="en-US"/>
               <a:t>데이터 두 측면에서 </a:t>
             </a:r>
             <a:r>
-              <a:rPr lang="en-US" altLang="ko-KR" dirty="0"/>
+              <a:rPr lang="en-US" altLang="ko-KR"/>
               <a:t>best performing </a:t>
             </a:r>
             <a:r>
-              <a:rPr lang="ko-KR" altLang="en-US" dirty="0"/>
+              <a:rPr lang="ko-KR" altLang="en-US"/>
               <a:t>모형을 탐색</a:t>
             </a:r>
-            <a:endParaRPr lang="en-US" altLang="ko-KR" dirty="0"/>
+            <a:endParaRPr lang="ko-KR" altLang="en-US"/>
           </a:p>
           <a:p>
             <a:pPr lvl="3">
@@ -41648,18 +42419,18 @@
               <a:defRPr/>
             </a:pPr>
             <a:r>
-              <a:rPr lang="ko-KR" altLang="en-US" dirty="0"/>
+              <a:rPr lang="ko-KR" altLang="en-US"/>
               <a:t>모형 간 비교</a:t>
             </a:r>
             <a:r>
-              <a:rPr lang="en-US" altLang="ko-KR" dirty="0"/>
+              <a:rPr lang="en-US" altLang="ko-KR"/>
               <a:t>: </a:t>
             </a:r>
             <a:r>
-              <a:rPr lang="ko-KR" altLang="en-US" dirty="0"/>
+              <a:rPr lang="ko-KR" altLang="en-US"/>
               <a:t>동일한 데이터를 투입하여 다양한 모형들의 예측력 비교</a:t>
             </a:r>
-            <a:endParaRPr lang="en-US" altLang="ko-KR" dirty="0"/>
+            <a:endParaRPr lang="ko-KR" altLang="en-US"/>
           </a:p>
           <a:p>
             <a:pPr lvl="3">
@@ -41669,25 +42440,26 @@
               <a:defRPr/>
             </a:pPr>
             <a:r>
-              <a:rPr lang="ko-KR" altLang="en-US" dirty="0"/>
+              <a:rPr lang="ko-KR" altLang="en-US"/>
               <a:t>데이터에 따른 비교</a:t>
             </a:r>
             <a:r>
-              <a:rPr lang="en-US" altLang="ko-KR" dirty="0"/>
+              <a:rPr lang="en-US" altLang="ko-KR"/>
               <a:t>: </a:t>
             </a:r>
             <a:r>
-              <a:rPr lang="ko-KR" altLang="en-US" dirty="0"/>
+              <a:rPr lang="ko-KR" altLang="en-US"/>
               <a:t>투입 데이터를 달리하면서 </a:t>
             </a:r>
             <a:r>
-              <a:rPr lang="en-US" altLang="ko-KR" dirty="0"/>
+              <a:rPr lang="en-US" altLang="ko-KR"/>
               <a:t>input</a:t>
             </a:r>
             <a:r>
-              <a:rPr lang="ko-KR" altLang="en-US" dirty="0"/>
+              <a:rPr lang="ko-KR" altLang="en-US"/>
               <a:t>에 따른 최적 모형을 탐색</a:t>
             </a:r>
+            <a:endParaRPr lang="ko-KR" altLang="en-US"/>
           </a:p>
           <a:p>
             <a:pPr lvl="2">
@@ -41697,18 +42469,18 @@
               <a:defRPr/>
             </a:pPr>
             <a:r>
-              <a:rPr lang="ko-KR" altLang="en-US" dirty="0"/>
+              <a:rPr lang="ko-KR" altLang="en-US"/>
               <a:t>금년도에는 노동시장 변수만 투입한 경우와 모든 정형 데이터를 투입한 경우 두 가지만 비교하였으나</a:t>
             </a:r>
             <a:r>
-              <a:rPr lang="en-US" altLang="ko-KR" dirty="0"/>
+              <a:rPr lang="en-US" altLang="ko-KR"/>
               <a:t>, </a:t>
             </a:r>
             <a:r>
-              <a:rPr lang="ko-KR" altLang="en-US" dirty="0"/>
+              <a:rPr lang="ko-KR" altLang="en-US"/>
               <a:t>투입 데이터까지 조정해가면서 최적 모형 탐색</a:t>
             </a:r>
-            <a:endParaRPr lang="en-US" altLang="ko-KR" dirty="0"/>
+            <a:endParaRPr lang="ko-KR" altLang="en-US"/>
           </a:p>
           <a:p>
             <a:pPr lvl="3">
@@ -41718,18 +42490,18 @@
               <a:defRPr/>
             </a:pPr>
             <a:r>
-              <a:rPr lang="ko-KR" altLang="en-US" dirty="0"/>
+              <a:rPr lang="ko-KR" altLang="en-US"/>
               <a:t>목표 </a:t>
             </a:r>
             <a:r>
-              <a:rPr lang="en-US" altLang="ko-KR" dirty="0"/>
+              <a:rPr lang="en-US" altLang="ko-KR"/>
               <a:t>1: </a:t>
             </a:r>
             <a:r>
-              <a:rPr lang="ko-KR" altLang="en-US" dirty="0"/>
+              <a:rPr lang="ko-KR" altLang="en-US"/>
               <a:t>수산이 높은 중요도를 기록한 것이 실제 노동시장의 현실을 반영하는지 검증</a:t>
             </a:r>
-            <a:endParaRPr lang="en-US" altLang="ko-KR" dirty="0"/>
+            <a:endParaRPr lang="ko-KR" altLang="en-US"/>
           </a:p>
           <a:p>
             <a:pPr lvl="3">
@@ -41739,18 +42511,18 @@
               <a:defRPr/>
             </a:pPr>
             <a:r>
-              <a:rPr lang="ko-KR" altLang="en-US" dirty="0"/>
+              <a:rPr lang="ko-KR" altLang="en-US"/>
               <a:t>목표 </a:t>
             </a:r>
             <a:r>
-              <a:rPr lang="en-US" altLang="ko-KR" dirty="0"/>
+              <a:rPr lang="en-US" altLang="ko-KR"/>
               <a:t>2: </a:t>
             </a:r>
             <a:r>
-              <a:rPr lang="ko-KR" altLang="en-US" dirty="0"/>
+              <a:rPr lang="ko-KR" altLang="en-US"/>
               <a:t>실제 노동시장에 큰 영향을 미치는 실증 변수가 무엇인지 탐색</a:t>
             </a:r>
-            <a:endParaRPr lang="en-US" altLang="ko-KR" dirty="0"/>
+            <a:endParaRPr lang="ko-KR" altLang="en-US"/>
           </a:p>
           <a:p>
             <a:pPr lvl="3">
@@ -41759,7 +42531,7 @@
               </a:lnSpc>
               <a:defRPr/>
             </a:pPr>
-            <a:endParaRPr lang="ko-KR" altLang="en-US" dirty="0"/>
+            <a:endParaRPr lang="ko-KR" altLang="en-US"/>
           </a:p>
           <a:p>
             <a:pPr lvl="1">
@@ -41769,13 +42541,14 @@
               <a:defRPr/>
             </a:pPr>
             <a:r>
-              <a:rPr lang="en-US" altLang="ko-KR" dirty="0"/>
+              <a:rPr lang="en-US" altLang="ko-KR"/>
               <a:t>Point 2: </a:t>
             </a:r>
             <a:r>
-              <a:rPr lang="ko-KR" altLang="en-US" dirty="0"/>
+              <a:rPr lang="ko-KR" altLang="en-US"/>
               <a:t>신문기사 제목을 통해 여론까지 반영하는 경우 예측력이 개선될 수 있는지 탐색</a:t>
             </a:r>
+            <a:endParaRPr lang="ko-KR" altLang="en-US"/>
           </a:p>
           <a:p>
             <a:pPr lvl="2">
@@ -41785,30 +42558,26 @@
               <a:defRPr/>
             </a:pPr>
             <a:r>
-              <a:rPr lang="ko-KR" altLang="en-US" dirty="0" err="1"/>
-              <a:t>심층학습</a:t>
-            </a:r>
-            <a:r>
-              <a:rPr lang="ko-KR" altLang="en-US" dirty="0"/>
-              <a:t> 모형의 경우</a:t>
-            </a:r>
-            <a:r>
-              <a:rPr lang="en-US" altLang="ko-KR" dirty="0"/>
+              <a:rPr lang="ko-KR" altLang="en-US"/>
+              <a:t>심층학습 모형의 경우</a:t>
+            </a:r>
+            <a:r>
+              <a:rPr lang="en-US" altLang="ko-KR"/>
               <a:t>, </a:t>
             </a:r>
             <a:r>
-              <a:rPr lang="ko-KR" altLang="en-US" dirty="0"/>
+              <a:rPr lang="ko-KR" altLang="en-US"/>
               <a:t>금년도 연구와 동일하게 정형 데이터로만 예측하는 것과</a:t>
             </a:r>
             <a:r>
-              <a:rPr lang="en-US" altLang="ko-KR" dirty="0"/>
+              <a:rPr lang="en-US" altLang="ko-KR"/>
               <a:t> </a:t>
             </a:r>
             <a:r>
-              <a:rPr lang="ko-KR" altLang="en-US" dirty="0"/>
+              <a:rPr lang="ko-KR" altLang="en-US"/>
               <a:t>신문기사 제목이라는 비정형 데이터까지 투입한 두 가지 타입으로 예측력 탐색</a:t>
             </a:r>
-            <a:endParaRPr lang="en-US" altLang="ko-KR" dirty="0"/>
+            <a:endParaRPr lang="ko-KR" altLang="en-US"/>
           </a:p>
           <a:p>
             <a:pPr lvl="2">
@@ -41818,10 +42587,10 @@
               <a:defRPr/>
             </a:pPr>
             <a:r>
-              <a:rPr lang="ko-KR" altLang="en-US" dirty="0"/>
+              <a:rPr lang="ko-KR" altLang="en-US"/>
               <a:t>이를 바탕으로 다음 두 가지 연구 질문에 대한 해답을 모색</a:t>
             </a:r>
-            <a:endParaRPr lang="en-US" altLang="ko-KR" dirty="0"/>
+            <a:endParaRPr lang="ko-KR" altLang="en-US"/>
           </a:p>
           <a:p>
             <a:pPr lvl="3">
@@ -41831,10 +42600,10 @@
               <a:defRPr/>
             </a:pPr>
             <a:r>
-              <a:rPr lang="ko-KR" altLang="en-US" dirty="0"/>
+              <a:rPr lang="ko-KR" altLang="en-US"/>
               <a:t>여론을 반영할 수 있는 모형에서는 이를 고려하는 것이 예측력을 개선시키는지</a:t>
             </a:r>
-            <a:endParaRPr lang="en-US" altLang="ko-KR" dirty="0"/>
+            <a:endParaRPr lang="ko-KR" altLang="en-US"/>
           </a:p>
           <a:p>
             <a:pPr lvl="3">
@@ -41844,10 +42613,10 @@
               <a:defRPr/>
             </a:pPr>
             <a:r>
-              <a:rPr lang="ko-KR" altLang="en-US" dirty="0"/>
+              <a:rPr lang="ko-KR" altLang="en-US"/>
               <a:t>경제 상황이 급변하는 경우 여론을 반영한 모형이 즉각적인 변화를 감지하여 더 나은 예측력을 보여주는지</a:t>
             </a:r>
-            <a:endParaRPr lang="en-US" altLang="ko-KR" dirty="0"/>
+            <a:endParaRPr lang="en-US" altLang="ko-KR"/>
           </a:p>
         </p:txBody>
       </p:sp>
@@ -41858,7 +42627,7 @@
             <a:spLocks noGrp="1"/>
           </p:cNvSpPr>
           <p:nvPr>
-            <p:ph type="title"/>
+            <p:ph type="title" idx="0"/>
           </p:nvPr>
         </p:nvSpPr>
         <p:spPr/>
@@ -41870,35 +42639,31 @@
               <a:defRPr/>
             </a:pPr>
             <a:r>
-              <a:rPr kumimoji="1" lang="ko-KR" altLang="en-US" dirty="0"/>
+              <a:rPr kumimoji="1" lang="ko-KR" altLang="en-US"/>
               <a:t>기계학습 모형 개량</a:t>
             </a:r>
             <a:r>
-              <a:rPr kumimoji="1" lang="en-US" altLang="ko-KR" dirty="0"/>
+              <a:rPr kumimoji="1" lang="en-US" altLang="ko-KR"/>
               <a:t>: </a:t>
             </a:r>
             <a:r>
-              <a:rPr kumimoji="1" lang="ko-KR" altLang="en-US" dirty="0"/>
+              <a:rPr kumimoji="1" lang="ko-KR" altLang="en-US"/>
               <a:t>차년도 개발계획</a:t>
             </a:r>
+            <a:endParaRPr kumimoji="1" lang="ko-KR" altLang="en-US"/>
           </a:p>
         </p:txBody>
       </p:sp>
     </p:spTree>
-    <p:extLst>
-      <p:ext uri="{BB962C8B-B14F-4D97-AF65-F5344CB8AC3E}">
-        <p14:creationId xmlns:p14="http://schemas.microsoft.com/office/powerpoint/2010/main" val="1228679155"/>
-      </p:ext>
-    </p:extLst>
   </p:cSld>
   <p:clrMapOvr>
     <a:masterClrMapping/>
   </p:clrMapOvr>
-  <mc:AlternateContent xmlns:mc="http://schemas.openxmlformats.org/markup-compatibility/2006" xmlns:p14="http://schemas.microsoft.com/office/powerpoint/2010/main">
-    <mc:Choice Requires="p14">
-      <p:transition/>
+  <mc:AlternateContent xmlns:mc="http://schemas.openxmlformats.org/markup-compatibility/2006">
+    <mc:Choice xmlns:p14="http://schemas.microsoft.com/office/powerpoint/2010/main" Requires="p14">
+      <p:transition xmlns:mc="http://schemas.openxmlformats.org/markup-compatibility/2006" xmlns:p14="http://schemas.microsoft.com/office/powerpoint/2010/main" mc:Ignorable="p14" p14:dur="500"/>
     </mc:Choice>
-    <mc:Fallback xmlns="" xmlns:c="http://schemas.openxmlformats.org/drawingml/2006/chart" xmlns:dgm="http://schemas.openxmlformats.org/drawingml/2006/diagram" xmlns:dsp="http://schemas.microsoft.com/office/drawing/2008/diagram">
+    <mc:Fallback>
       <p:transition/>
     </mc:Fallback>
   </mc:AlternateContent>
@@ -42106,7 +42871,7 @@
 </file>
 
 <file path=ppt/slides/slide23.xml><?xml version="1.0" encoding="utf-8"?>
-<p:sld xmlns:a="http://schemas.openxmlformats.org/drawingml/2006/main" xmlns:r="http://schemas.openxmlformats.org/officeDocument/2006/relationships" xmlns:p="http://schemas.openxmlformats.org/presentationml/2006/main">
+<p:sld xmlns:r="http://schemas.openxmlformats.org/officeDocument/2006/relationships" xmlns:c="http://schemas.openxmlformats.org/drawingml/2006/chart" xmlns:a="http://schemas.openxmlformats.org/drawingml/2006/main" xmlns:dgm="http://schemas.openxmlformats.org/drawingml/2006/diagram" xmlns:dsp="http://schemas.microsoft.com/office/drawing/2008/diagram" xmlns:p="http://schemas.openxmlformats.org/presentationml/2006/main">
   <p:cSld>
     <p:spTree>
       <p:nvGrpSpPr>
@@ -42124,18 +42889,12 @@
       </p:grpSpPr>
       <p:sp>
         <p:nvSpPr>
-          <p:cNvPr id="2" name="제목 1">
-            <a:extLst>
-              <a:ext uri="{FF2B5EF4-FFF2-40B4-BE49-F238E27FC236}">
-                <a16:creationId xmlns:a16="http://schemas.microsoft.com/office/drawing/2014/main" id="{3E6B2409-663F-405A-8642-F83DAEAECE45}"/>
-              </a:ext>
-            </a:extLst>
-          </p:cNvPr>
+          <p:cNvPr id="2" name="제목 1"/>
           <p:cNvSpPr>
             <a:spLocks noGrp="1"/>
           </p:cNvSpPr>
           <p:nvPr>
-            <p:ph type="title"/>
+            <p:ph type="title" idx="0"/>
           </p:nvPr>
         </p:nvSpPr>
         <p:spPr/>
@@ -42143,22 +42902,20 @@
           <a:bodyPr/>
           <a:lstStyle/>
           <a:p>
-            <a:r>
-              <a:rPr lang="ko-KR" altLang="en-US" dirty="0"/>
+            <a:pPr lvl="0">
+              <a:defRPr/>
+            </a:pPr>
+            <a:r>
+              <a:rPr lang="ko-KR" altLang="en-US"/>
               <a:t>결론</a:t>
             </a:r>
+            <a:endParaRPr lang="ko-KR" altLang="en-US"/>
           </a:p>
         </p:txBody>
       </p:sp>
       <p:sp>
         <p:nvSpPr>
-          <p:cNvPr id="3" name="내용 개체 틀 2">
-            <a:extLst>
-              <a:ext uri="{FF2B5EF4-FFF2-40B4-BE49-F238E27FC236}">
-                <a16:creationId xmlns:a16="http://schemas.microsoft.com/office/drawing/2014/main" id="{00EC17BA-6960-4BD7-B7B1-043A4415770C}"/>
-              </a:ext>
-            </a:extLst>
-          </p:cNvPr>
+          <p:cNvPr id="3" name="내용 개체 틀 2"/>
           <p:cNvSpPr>
             <a:spLocks noGrp="1"/>
           </p:cNvSpPr>
@@ -42171,107 +42928,197 @@
           <a:bodyPr/>
           <a:lstStyle/>
           <a:p>
-            <a:r>
-              <a:rPr lang="en-US" altLang="ko-KR" dirty="0"/>
+            <a:pPr lvl="0">
+              <a:defRPr/>
+            </a:pPr>
+            <a:r>
+              <a:rPr lang="en-US" altLang="ko-KR"/>
               <a:t>HANK </a:t>
             </a:r>
             <a:r>
-              <a:rPr lang="ko-KR" altLang="en-US" dirty="0"/>
+              <a:rPr lang="ko-KR" altLang="en-US"/>
               <a:t>모형 부분 개선 필요</a:t>
             </a:r>
-            <a:endParaRPr lang="en-US" altLang="ko-KR" dirty="0"/>
+            <a:endParaRPr lang="ko-KR" altLang="en-US"/>
           </a:p>
           <a:p>
-            <a:pPr lvl="1"/>
-            <a:r>
-              <a:rPr lang="en-US" altLang="ko-KR" dirty="0"/>
+            <a:pPr lvl="1">
+              <a:defRPr/>
+            </a:pPr>
+            <a:r>
+              <a:rPr lang="en-US" altLang="ko-KR"/>
               <a:t>MPC, MPE </a:t>
             </a:r>
             <a:r>
-              <a:rPr lang="ko-KR" altLang="en-US" dirty="0"/>
-              <a:t>등 </a:t>
-            </a:r>
-            <a:r>
-              <a:rPr lang="ko-KR" altLang="en-US" dirty="0" err="1"/>
-              <a:t>타겟할</a:t>
-            </a:r>
-            <a:r>
-              <a:rPr lang="ko-KR" altLang="en-US" dirty="0"/>
-              <a:t> 추정치의 정치화 필요</a:t>
-            </a:r>
-            <a:endParaRPr lang="en-US" altLang="ko-KR" dirty="0"/>
+              <a:rPr lang="ko-KR" altLang="en-US"/>
+              <a:t>등 타겟할 추정치의 정치화 필요</a:t>
+            </a:r>
+            <a:endParaRPr lang="ko-KR" altLang="en-US"/>
           </a:p>
           <a:p>
-            <a:pPr lvl="1"/>
-            <a:r>
-              <a:rPr lang="ko-KR" altLang="en-US" dirty="0"/>
+            <a:pPr lvl="1">
+              <a:defRPr/>
+            </a:pPr>
+            <a:r>
+              <a:rPr lang="ko-KR" altLang="en-US"/>
               <a:t>모형 세부부분</a:t>
             </a:r>
             <a:r>
-              <a:rPr lang="en-US" altLang="ko-KR" dirty="0"/>
+              <a:rPr lang="en-US" altLang="ko-KR"/>
               <a:t>: </a:t>
             </a:r>
             <a:r>
-              <a:rPr lang="ko-KR" altLang="en-US" dirty="0"/>
+              <a:rPr lang="ko-KR" altLang="en-US"/>
               <a:t>대부분 보편적으로 많이 활용되는 요소들이지만 점검 필요</a:t>
             </a:r>
-            <a:endParaRPr lang="en-US" altLang="ko-KR" dirty="0"/>
+            <a:endParaRPr lang="ko-KR" altLang="en-US"/>
           </a:p>
           <a:p>
-            <a:pPr lvl="1"/>
-            <a:r>
-              <a:rPr lang="en-US" altLang="ko-KR" dirty="0"/>
+            <a:pPr lvl="1">
+              <a:defRPr/>
+            </a:pPr>
+            <a:r>
+              <a:rPr lang="en-US" altLang="ko-KR"/>
               <a:t>24</a:t>
             </a:r>
             <a:r>
-              <a:rPr lang="ko-KR" altLang="en-US" dirty="0"/>
+              <a:rPr lang="ko-KR" altLang="en-US"/>
               <a:t>년에 더 적극적인 자문 등을 통해 보완 예정</a:t>
             </a:r>
-            <a:endParaRPr lang="en-US" altLang="ko-KR" dirty="0"/>
+            <a:endParaRPr lang="ko-KR" altLang="en-US"/>
           </a:p>
           <a:p>
-            <a:pPr lvl="1"/>
-            <a:endParaRPr lang="en-US" altLang="ko-KR" dirty="0"/>
+            <a:pPr lvl="1">
+              <a:defRPr/>
+            </a:pPr>
+            <a:endParaRPr lang="en-US" altLang="ko-KR"/>
           </a:p>
           <a:p>
-            <a:r>
-              <a:rPr lang="ko-KR" altLang="en-US" dirty="0"/>
+            <a:pPr lvl="0">
+              <a:defRPr/>
+            </a:pPr>
+            <a:r>
+              <a:rPr lang="ko-KR" altLang="en-US"/>
               <a:t>기계학습</a:t>
             </a:r>
-            <a:endParaRPr lang="en-US" altLang="ko-KR" dirty="0"/>
+            <a:endParaRPr lang="ko-KR" altLang="en-US"/>
           </a:p>
           <a:p>
-            <a:pPr lvl="1"/>
-            <a:r>
-              <a:rPr lang="ko-KR" altLang="en-US" dirty="0"/>
+            <a:pPr lvl="1">
+              <a:defRPr/>
+            </a:pPr>
+            <a:r>
+              <a:rPr lang="ko-KR" altLang="en-US"/>
               <a:t>세부 정밀화 작업 진행 예정 및 비정형데이터 활용 예정</a:t>
             </a:r>
-            <a:endParaRPr lang="en-US" altLang="ko-KR" dirty="0"/>
+            <a:endParaRPr lang="ko-KR" altLang="en-US"/>
           </a:p>
           <a:p>
-            <a:pPr lvl="1"/>
-            <a:endParaRPr lang="en-US" altLang="ko-KR" dirty="0"/>
+            <a:pPr lvl="1">
+              <a:defRPr/>
+            </a:pPr>
+            <a:endParaRPr lang="ko-KR" altLang="en-US"/>
           </a:p>
           <a:p>
-            <a:endParaRPr lang="ko-KR" altLang="en-US" dirty="0"/>
+            <a:pPr lvl="0">
+              <a:defRPr/>
+            </a:pPr>
+            <a:r>
+              <a:rPr lang="en-US" altLang="ko-KR"/>
+              <a:t>Empirical model	</a:t>
+            </a:r>
+            <a:endParaRPr lang="en-US" altLang="ko-KR"/>
+          </a:p>
+          <a:p>
+            <a:pPr lvl="1">
+              <a:defRPr/>
+            </a:pPr>
+            <a:r>
+              <a:rPr lang="en-US" altLang="ko-KR"/>
+              <a:t>Forecasting - fVAR: </a:t>
+            </a:r>
+            <a:r>
+              <a:rPr lang="ko-KR" altLang="en-US"/>
+              <a:t>전망모형으로 개량</a:t>
+            </a:r>
+            <a:r>
+              <a:rPr lang="en-US" altLang="ko-KR"/>
+              <a:t>(</a:t>
+            </a:r>
+            <a:r>
+              <a:rPr lang="ko-KR" altLang="en-US"/>
+              <a:t>임금분포 전망 등</a:t>
+            </a:r>
+            <a:r>
+              <a:rPr lang="en-US" altLang="ko-KR"/>
+              <a:t>)</a:t>
+            </a:r>
+            <a:endParaRPr lang="en-US" altLang="ko-KR"/>
+          </a:p>
+          <a:p>
+            <a:pPr lvl="1">
+              <a:defRPr/>
+            </a:pPr>
+            <a:r>
+              <a:rPr lang="en-US" altLang="ko-KR"/>
+              <a:t>Inference - fLP </a:t>
+            </a:r>
+            <a:r>
+              <a:rPr lang="ko-KR" altLang="en-US"/>
+              <a:t>개발</a:t>
+            </a:r>
+            <a:r>
+              <a:rPr lang="en-US" altLang="ko-KR"/>
+              <a:t>(</a:t>
+            </a:r>
+            <a:r>
+              <a:rPr lang="ko-KR" altLang="en-US"/>
+              <a:t>상태조건부 이질적 정부승수 분석 가능 기대</a:t>
+            </a:r>
+            <a:r>
+              <a:rPr lang="en-US" altLang="ko-KR"/>
+              <a:t>)</a:t>
+            </a:r>
+            <a:endParaRPr lang="en-US" altLang="ko-KR"/>
+          </a:p>
+          <a:p>
+            <a:pPr lvl="1">
+              <a:defRPr/>
+            </a:pPr>
+            <a:endParaRPr lang="en-US" altLang="ko-KR"/>
+          </a:p>
+          <a:p>
+            <a:pPr lvl="1">
+              <a:defRPr/>
+            </a:pPr>
+            <a:endParaRPr lang="en-US" altLang="ko-KR"/>
+          </a:p>
+          <a:p>
+            <a:pPr lvl="0">
+              <a:defRPr/>
+            </a:pPr>
+            <a:endParaRPr lang="ko-KR" altLang="en-US"/>
           </a:p>
         </p:txBody>
       </p:sp>
     </p:spTree>
-    <p:extLst>
-      <p:ext uri="{BB962C8B-B14F-4D97-AF65-F5344CB8AC3E}">
-        <p14:creationId xmlns:p14="http://schemas.microsoft.com/office/powerpoint/2010/main" val="1355156616"/>
-      </p:ext>
-    </p:extLst>
   </p:cSld>
   <p:clrMapOvr>
     <a:masterClrMapping/>
   </p:clrMapOvr>
+  <mc:AlternateContent xmlns:mc="http://schemas.openxmlformats.org/markup-compatibility/2006">
+    <mc:Choice xmlns:p14="http://schemas.microsoft.com/office/powerpoint/2010/main" Requires="p14">
+      <p:transition xmlns:mc="http://schemas.openxmlformats.org/markup-compatibility/2006" xmlns:p14="http://schemas.microsoft.com/office/powerpoint/2010/main" mc:Ignorable="p14" p14:dur="500"/>
+    </mc:Choice>
+    <mc:Fallback>
+      <p:transition/>
+    </mc:Fallback>
+  </mc:AlternateContent>
 </p:sld>
 </file>
 
 <file path=ppt/slides/slide3.xml><?xml version="1.0" encoding="utf-8"?>
-<p:sld xmlns:a="http://schemas.openxmlformats.org/drawingml/2006/main" xmlns:r="http://schemas.openxmlformats.org/officeDocument/2006/relationships" xmlns:p="http://schemas.openxmlformats.org/presentationml/2006/main">
+<p:sld xmlns:r="http://schemas.openxmlformats.org/officeDocument/2006/relationships" xmlns:c="http://schemas.openxmlformats.org/drawingml/2006/chart" xmlns:a="http://schemas.openxmlformats.org/drawingml/2006/main" xmlns:dgm="http://schemas.openxmlformats.org/drawingml/2006/diagram" xmlns:dsp="http://schemas.microsoft.com/office/drawing/2008/diagram" xmlns:p="http://schemas.openxmlformats.org/presentationml/2006/main">
   <p:cSld>
     <p:spTree>
       <p:nvGrpSpPr>
@@ -42289,18 +43136,12 @@
       </p:grpSpPr>
       <p:sp>
         <p:nvSpPr>
-          <p:cNvPr id="2" name="제목 1">
-            <a:extLst>
-              <a:ext uri="{FF2B5EF4-FFF2-40B4-BE49-F238E27FC236}">
-                <a16:creationId xmlns:a16="http://schemas.microsoft.com/office/drawing/2014/main" id="{E0290F29-1B0E-438D-AB3C-A41607B0959E}"/>
-              </a:ext>
-            </a:extLst>
-          </p:cNvPr>
+          <p:cNvPr id="2" name="제목 1"/>
           <p:cNvSpPr>
             <a:spLocks noGrp="1"/>
           </p:cNvSpPr>
           <p:nvPr>
-            <p:ph type="title"/>
+            <p:ph type="title" idx="0"/>
           </p:nvPr>
         </p:nvSpPr>
         <p:spPr/>
@@ -42308,26 +43149,24 @@
           <a:bodyPr/>
           <a:lstStyle/>
           <a:p>
-            <a:r>
-              <a:rPr lang="en-US" altLang="ko-KR" dirty="0"/>
+            <a:pPr lvl="0">
+              <a:defRPr/>
+            </a:pPr>
+            <a:r>
+              <a:rPr lang="en-US" altLang="ko-KR"/>
               <a:t>2024</a:t>
             </a:r>
             <a:r>
-              <a:rPr lang="ko-KR" altLang="en-US" dirty="0"/>
-              <a:t>년 연구계획</a:t>
-            </a:r>
+              <a:rPr lang="ko-KR" altLang="en-US"/>
+              <a:t>년 차년도 연구계획</a:t>
+            </a:r>
+            <a:endParaRPr lang="ko-KR" altLang="en-US"/>
           </a:p>
         </p:txBody>
       </p:sp>
       <p:sp>
         <p:nvSpPr>
-          <p:cNvPr id="3" name="내용 개체 틀 2">
-            <a:extLst>
-              <a:ext uri="{FF2B5EF4-FFF2-40B4-BE49-F238E27FC236}">
-                <a16:creationId xmlns:a16="http://schemas.microsoft.com/office/drawing/2014/main" id="{19D25940-E6DE-4CC8-8C38-08CD13628D61}"/>
-              </a:ext>
-            </a:extLst>
-          </p:cNvPr>
+          <p:cNvPr id="3" name="내용 개체 틀 2"/>
           <p:cNvSpPr>
             <a:spLocks noGrp="1"/>
           </p:cNvSpPr>
@@ -42340,225 +43179,242 @@
           <a:bodyPr/>
           <a:lstStyle/>
           <a:p>
-            <a:r>
-              <a:rPr lang="en-US" altLang="ko-KR" dirty="0"/>
+            <a:pPr lvl="0">
+              <a:defRPr/>
+            </a:pPr>
+            <a:r>
+              <a:rPr lang="en-US" altLang="ko-KR"/>
               <a:t>HANK </a:t>
             </a:r>
             <a:r>
-              <a:rPr lang="ko-KR" altLang="en-US" dirty="0"/>
+              <a:rPr lang="ko-KR" altLang="en-US"/>
               <a:t>모형</a:t>
             </a:r>
-            <a:endParaRPr lang="en-US" altLang="ko-KR" dirty="0"/>
+            <a:endParaRPr lang="ko-KR" altLang="en-US"/>
           </a:p>
           <a:p>
-            <a:pPr lvl="1"/>
-            <a:r>
-              <a:rPr lang="en-US" altLang="ko-KR" dirty="0"/>
+            <a:pPr lvl="1">
+              <a:defRPr/>
+            </a:pPr>
+            <a:r>
+              <a:rPr lang="en-US" altLang="ko-KR"/>
               <a:t>Calibration </a:t>
             </a:r>
             <a:r>
-              <a:rPr lang="ko-KR" altLang="en-US" dirty="0"/>
+              <a:rPr lang="ko-KR" altLang="en-US"/>
               <a:t>정치화</a:t>
             </a:r>
-            <a:endParaRPr lang="en-US" altLang="ko-KR" dirty="0"/>
+            <a:endParaRPr lang="ko-KR" altLang="en-US"/>
           </a:p>
           <a:p>
-            <a:pPr lvl="1"/>
-            <a:r>
-              <a:rPr lang="en-US" altLang="ko-KR" dirty="0"/>
+            <a:pPr lvl="1">
+              <a:defRPr/>
+            </a:pPr>
+            <a:r>
+              <a:rPr lang="en-US" altLang="ko-KR"/>
               <a:t>Estimation </a:t>
             </a:r>
             <a:r>
-              <a:rPr lang="ko-KR" altLang="en-US" dirty="0"/>
+              <a:rPr lang="ko-KR" altLang="en-US"/>
               <a:t>시도</a:t>
             </a:r>
-            <a:endParaRPr lang="en-US" altLang="ko-KR" dirty="0"/>
+            <a:endParaRPr lang="ko-KR" altLang="en-US"/>
           </a:p>
           <a:p>
-            <a:pPr lvl="1"/>
-            <a:r>
-              <a:rPr lang="ko-KR" altLang="en-US" dirty="0"/>
+            <a:pPr lvl="1">
+              <a:defRPr/>
+            </a:pPr>
+            <a:r>
+              <a:rPr lang="ko-KR" altLang="en-US"/>
               <a:t>외부 자문 등을 통해 </a:t>
             </a:r>
             <a:r>
-              <a:rPr lang="en-US" altLang="ko-KR" dirty="0"/>
+              <a:rPr lang="en-US" altLang="ko-KR"/>
               <a:t>HANK </a:t>
             </a:r>
             <a:r>
-              <a:rPr lang="ko-KR" altLang="en-US" dirty="0"/>
+              <a:rPr lang="ko-KR" altLang="en-US"/>
               <a:t>모형에 필요한 요소 </a:t>
             </a:r>
             <a:r>
-              <a:rPr lang="en-US" altLang="ko-KR" dirty="0"/>
+              <a:rPr lang="en-US" altLang="ko-KR"/>
               <a:t>– </a:t>
             </a:r>
             <a:r>
-              <a:rPr lang="ko-KR" altLang="en-US" dirty="0" err="1"/>
+              <a:rPr lang="ko-KR" altLang="en-US"/>
               <a:t>가격경직성</a:t>
             </a:r>
             <a:r>
-              <a:rPr lang="en-US" altLang="ko-KR" dirty="0"/>
+              <a:rPr lang="en-US" altLang="ko-KR"/>
               <a:t>/</a:t>
             </a:r>
             <a:r>
-              <a:rPr lang="ko-KR" altLang="en-US" dirty="0" err="1"/>
-              <a:t>임금경직성</a:t>
-            </a:r>
-            <a:r>
-              <a:rPr lang="ko-KR" altLang="en-US" dirty="0"/>
-              <a:t> 형태</a:t>
-            </a:r>
-            <a:r>
-              <a:rPr lang="en-US" altLang="ko-KR" dirty="0"/>
+              <a:rPr lang="ko-KR" altLang="en-US"/>
+              <a:t>임금경직성 형태</a:t>
+            </a:r>
+            <a:r>
+              <a:rPr lang="en-US" altLang="ko-KR"/>
               <a:t>, </a:t>
             </a:r>
             <a:r>
-              <a:rPr lang="ko-KR" altLang="en-US" dirty="0"/>
+              <a:rPr lang="ko-KR" altLang="en-US"/>
               <a:t>재정</a:t>
             </a:r>
             <a:r>
-              <a:rPr lang="en-US" altLang="ko-KR" dirty="0"/>
+              <a:rPr lang="en-US" altLang="ko-KR"/>
               <a:t>/</a:t>
             </a:r>
             <a:r>
-              <a:rPr lang="ko-KR" altLang="en-US" dirty="0"/>
+              <a:rPr lang="ko-KR" altLang="en-US"/>
               <a:t>통화정책 모델링 등 정치화</a:t>
             </a:r>
-            <a:endParaRPr lang="en-US" altLang="ko-KR" dirty="0"/>
+            <a:endParaRPr lang="ko-KR" altLang="en-US"/>
           </a:p>
           <a:p>
-            <a:endParaRPr lang="en-US" altLang="ko-KR" dirty="0"/>
+            <a:pPr lvl="0">
+              <a:defRPr/>
+            </a:pPr>
+            <a:endParaRPr lang="en-US" altLang="ko-KR"/>
           </a:p>
           <a:p>
-            <a:r>
-              <a:rPr lang="ko-KR" altLang="en-US" dirty="0"/>
+            <a:pPr lvl="0">
+              <a:defRPr/>
+            </a:pPr>
+            <a:r>
+              <a:rPr lang="ko-KR" altLang="en-US"/>
               <a:t>기계학습 전망 모형</a:t>
             </a:r>
-            <a:endParaRPr lang="en-US" altLang="ko-KR" dirty="0"/>
+            <a:endParaRPr lang="ko-KR" altLang="en-US"/>
           </a:p>
           <a:p>
-            <a:pPr lvl="1"/>
-            <a:r>
-              <a:rPr lang="ko-KR" altLang="en-US" dirty="0"/>
+            <a:pPr lvl="1">
+              <a:defRPr/>
+            </a:pPr>
+            <a:r>
+              <a:rPr lang="ko-KR" altLang="en-US"/>
               <a:t>더 정밀한 데이터별 전망개선도 식별</a:t>
             </a:r>
-            <a:endParaRPr lang="en-US" altLang="ko-KR" dirty="0"/>
+            <a:endParaRPr lang="ko-KR" altLang="en-US"/>
           </a:p>
           <a:p>
-            <a:pPr lvl="1"/>
-            <a:r>
-              <a:rPr lang="ko-KR" altLang="en-US" dirty="0"/>
-              <a:t>뉴스기사 등의 비정형데이터 활용</a:t>
-            </a:r>
-            <a:endParaRPr lang="en-US" altLang="ko-KR" dirty="0"/>
+            <a:pPr lvl="1">
+              <a:defRPr/>
+            </a:pPr>
+            <a:r>
+              <a:rPr lang="ko-KR" altLang="en-US"/>
+              <a:t>뉴스기사</a:t>
+            </a:r>
+            <a:r>
+              <a:rPr lang="en-US" altLang="ko-KR"/>
+              <a:t>(</a:t>
+            </a:r>
+            <a:r>
+              <a:rPr lang="ko-KR" altLang="en-US"/>
+              <a:t>기사 제목단위</a:t>
+            </a:r>
+            <a:r>
+              <a:rPr lang="en-US" altLang="ko-KR"/>
+              <a:t>)</a:t>
+            </a:r>
+            <a:r>
+              <a:rPr lang="ko-KR" altLang="en-US"/>
+              <a:t> 등의 비정형데이터 활용</a:t>
+            </a:r>
+            <a:endParaRPr lang="ko-KR" altLang="en-US"/>
           </a:p>
           <a:p>
-            <a:pPr lvl="1"/>
-            <a:endParaRPr lang="en-US" altLang="ko-KR" dirty="0"/>
+            <a:pPr lvl="1">
+              <a:defRPr/>
+            </a:pPr>
+            <a:endParaRPr lang="en-US" altLang="ko-KR"/>
           </a:p>
           <a:p>
-            <a:r>
-              <a:rPr lang="en-US" altLang="ko-KR" dirty="0"/>
+            <a:pPr lvl="0">
+              <a:defRPr/>
+            </a:pPr>
+            <a:r>
+              <a:rPr lang="en-US" altLang="ko-KR"/>
               <a:t>Empirical</a:t>
             </a:r>
             <a:r>
-              <a:rPr lang="ko-KR" altLang="en-US" dirty="0"/>
+              <a:rPr lang="ko-KR" altLang="en-US"/>
               <a:t> </a:t>
             </a:r>
             <a:r>
-              <a:rPr lang="en-US" altLang="ko-KR" dirty="0"/>
+              <a:rPr lang="en-US" altLang="ko-KR"/>
               <a:t>model</a:t>
             </a:r>
             <a:r>
-              <a:rPr lang="ko-KR" altLang="en-US" dirty="0"/>
+              <a:rPr lang="ko-KR" altLang="en-US"/>
               <a:t> 개량</a:t>
             </a:r>
-            <a:endParaRPr lang="en-US" altLang="ko-KR" dirty="0"/>
+            <a:endParaRPr lang="ko-KR" altLang="en-US"/>
           </a:p>
           <a:p>
-            <a:pPr lvl="1"/>
-            <a:r>
-              <a:rPr lang="en-US" altLang="ko-KR" dirty="0"/>
-              <a:t>Inference: </a:t>
-            </a:r>
-            <a:r>
-              <a:rPr lang="en-US" altLang="ko-KR" dirty="0" err="1"/>
-              <a:t>fLP</a:t>
-            </a:r>
-            <a:r>
-              <a:rPr lang="en-US" altLang="ko-KR" dirty="0"/>
-              <a:t> </a:t>
-            </a:r>
-            <a:r>
-              <a:rPr lang="ko-KR" altLang="en-US" dirty="0"/>
+            <a:pPr lvl="1">
+              <a:defRPr/>
+            </a:pPr>
+            <a:r>
+              <a:rPr lang="en-US" altLang="ko-KR"/>
+              <a:t>Inference: fLP </a:t>
+            </a:r>
+            <a:r>
+              <a:rPr lang="ko-KR" altLang="en-US"/>
               <a:t>개발추진 및 </a:t>
             </a:r>
             <a:r>
-              <a:rPr lang="en-US" altLang="ko-KR" dirty="0" err="1"/>
-              <a:t>fVAR</a:t>
-            </a:r>
-            <a:r>
-              <a:rPr lang="en-US" altLang="ko-KR" dirty="0"/>
-              <a:t> </a:t>
-            </a:r>
-            <a:r>
-              <a:rPr lang="ko-KR" altLang="en-US" dirty="0"/>
+              <a:rPr lang="en-US" altLang="ko-KR"/>
+              <a:t>fVAR </a:t>
+            </a:r>
+            <a:r>
+              <a:rPr lang="ko-KR" altLang="en-US"/>
               <a:t>개량</a:t>
             </a:r>
-            <a:endParaRPr lang="en-US" altLang="ko-KR" dirty="0"/>
+            <a:endParaRPr lang="ko-KR" altLang="en-US"/>
           </a:p>
           <a:p>
-            <a:pPr lvl="1"/>
-            <a:r>
-              <a:rPr lang="en-US" altLang="ko-KR" dirty="0"/>
-              <a:t>Forecasting: </a:t>
-            </a:r>
-            <a:r>
-              <a:rPr lang="en-US" altLang="ko-KR" dirty="0" err="1"/>
-              <a:t>fVAR</a:t>
-            </a:r>
-            <a:r>
-              <a:rPr lang="en-US" altLang="ko-KR" dirty="0"/>
-              <a:t> </a:t>
-            </a:r>
-            <a:r>
-              <a:rPr lang="ko-KR" altLang="en-US" dirty="0"/>
+            <a:pPr lvl="1">
+              <a:defRPr/>
+            </a:pPr>
+            <a:r>
+              <a:rPr lang="en-US" altLang="ko-KR"/>
+              <a:t>Forecasting: fVAR </a:t>
+            </a:r>
+            <a:r>
+              <a:rPr lang="ko-KR" altLang="en-US"/>
               <a:t>개량</a:t>
             </a:r>
             <a:r>
-              <a:rPr lang="en-US" altLang="ko-KR" dirty="0"/>
+              <a:rPr lang="en-US" altLang="ko-KR"/>
               <a:t>. </a:t>
             </a:r>
             <a:r>
-              <a:rPr lang="ko-KR" altLang="en-US" dirty="0"/>
-              <a:t>특히 임금추계를 통해 세수추계 </a:t>
-            </a:r>
-            <a:r>
-              <a:rPr lang="ko-KR" altLang="en-US" dirty="0" err="1"/>
-              <a:t>수요시</a:t>
-            </a:r>
-            <a:r>
-              <a:rPr lang="ko-KR" altLang="en-US" dirty="0"/>
-              <a:t> 대응</a:t>
-            </a:r>
-            <a:endParaRPr lang="en-US" altLang="ko-KR" dirty="0"/>
+              <a:rPr lang="ko-KR" altLang="en-US"/>
+              <a:t>특히 임금추계를 통해 세수추계 수요시 대응</a:t>
+            </a:r>
+            <a:endParaRPr lang="ko-KR" altLang="en-US"/>
           </a:p>
           <a:p>
-            <a:pPr lvl="1"/>
-            <a:endParaRPr lang="ko-KR" altLang="en-US" dirty="0"/>
+            <a:pPr lvl="1">
+              <a:defRPr/>
+            </a:pPr>
+            <a:endParaRPr lang="ko-KR" altLang="en-US"/>
           </a:p>
         </p:txBody>
       </p:sp>
     </p:spTree>
-    <p:extLst>
-      <p:ext uri="{BB962C8B-B14F-4D97-AF65-F5344CB8AC3E}">
-        <p14:creationId xmlns:p14="http://schemas.microsoft.com/office/powerpoint/2010/main" val="45476723"/>
-      </p:ext>
-    </p:extLst>
   </p:cSld>
   <p:clrMapOvr>
     <a:masterClrMapping/>
   </p:clrMapOvr>
+  <mc:AlternateContent xmlns:mc="http://schemas.openxmlformats.org/markup-compatibility/2006">
+    <mc:Choice xmlns:p14="http://schemas.microsoft.com/office/powerpoint/2010/main" Requires="p14">
+      <p:transition xmlns:mc="http://schemas.openxmlformats.org/markup-compatibility/2006" xmlns:p14="http://schemas.microsoft.com/office/powerpoint/2010/main" mc:Ignorable="p14" p14:dur="500"/>
+    </mc:Choice>
+    <mc:Fallback>
+      <p:transition/>
+    </mc:Fallback>
+  </mc:AlternateContent>
 </p:sld>
 </file>
 
@@ -43188,44 +44044,44 @@
 </file>
 
 <file path=ppt/theme/theme1.xml><?xml version="1.0" encoding="utf-8"?>
-<a:theme xmlns:a="http://schemas.openxmlformats.org/drawingml/2006/main" name="Office 테마">
+<a:theme xmlns:r="http://schemas.openxmlformats.org/officeDocument/2006/relationships" xmlns:c="http://schemas.openxmlformats.org/drawingml/2006/chart" xmlns:dgm="http://schemas.openxmlformats.org/drawingml/2006/diagram" xmlns:dsp="http://schemas.microsoft.com/office/drawing/2008/diagram" xmlns:a="http://schemas.openxmlformats.org/drawingml/2006/main" xmlns:pic="http://schemas.openxmlformats.org/drawingml/2006/picture" xmlns:wp="http://schemas.openxmlformats.org/drawingml/2006/wordprocessingDrawing" xmlns:xdr="http://schemas.openxmlformats.org/drawingml/2006/spreadsheetDrawing" xmlns:lc="http://schemas.openxmlformats.org/drawingml/2006/lockedCanvas" xmlns:p="http://schemas.openxmlformats.org/presentationml/2006/main" name="Office 테마">
   <a:themeElements>
     <a:clrScheme name="Office 테마">
       <a:dk1>
         <a:sysClr val="windowText" lastClr="000000"/>
       </a:dk1>
       <a:lt1>
-        <a:sysClr val="window" lastClr="FFFFFF"/>
+        <a:sysClr val="window" lastClr="ffffff"/>
       </a:lt1>
       <a:dk2>
-        <a:srgbClr val="44546A"/>
+        <a:srgbClr val="44546a"/>
       </a:dk2>
       <a:lt2>
-        <a:srgbClr val="E7E6E6"/>
+        <a:srgbClr val="e7e6e6"/>
       </a:lt2>
       <a:accent1>
-        <a:srgbClr val="4472C4"/>
+        <a:srgbClr val="4472c4"/>
       </a:accent1>
       <a:accent2>
-        <a:srgbClr val="ED7D31"/>
+        <a:srgbClr val="ed7d31"/>
       </a:accent2>
       <a:accent3>
-        <a:srgbClr val="A5A5A5"/>
+        <a:srgbClr val="a5a5a5"/>
       </a:accent3>
       <a:accent4>
-        <a:srgbClr val="FFC000"/>
+        <a:srgbClr val="ffc000"/>
       </a:accent4>
       <a:accent5>
-        <a:srgbClr val="5B9BD5"/>
+        <a:srgbClr val="5b9bd5"/>
       </a:accent5>
       <a:accent6>
-        <a:srgbClr val="70AD47"/>
+        <a:srgbClr val="70ad47"/>
       </a:accent6>
       <a:hlink>
-        <a:srgbClr val="0563C1"/>
+        <a:srgbClr val="0563c1"/>
       </a:hlink>
       <a:folHlink>
-        <a:srgbClr val="954F72"/>
+        <a:srgbClr val="954f72"/>
       </a:folHlink>
     </a:clrScheme>
     <a:fontScheme name="Office 테마">
@@ -43438,50 +44294,48 @@
       </a:bgFillStyleLst>
     </a:fmtScheme>
   </a:themeElements>
-  <a:objectDefaults/>
-  <a:extraClrSchemeLst/>
 </a:theme>
 </file>
 
 <file path=ppt/theme/theme2.xml><?xml version="1.0" encoding="utf-8"?>
-<a:theme xmlns:a="http://schemas.openxmlformats.org/drawingml/2006/main" name="2_Office 테마">
+<a:theme xmlns:r="http://schemas.openxmlformats.org/officeDocument/2006/relationships" xmlns:c="http://schemas.openxmlformats.org/drawingml/2006/chart" xmlns:dgm="http://schemas.openxmlformats.org/drawingml/2006/diagram" xmlns:dsp="http://schemas.microsoft.com/office/drawing/2008/diagram" xmlns:a="http://schemas.openxmlformats.org/drawingml/2006/main" xmlns:pic="http://schemas.openxmlformats.org/drawingml/2006/picture" xmlns:wp="http://schemas.openxmlformats.org/drawingml/2006/wordprocessingDrawing" xmlns:xdr="http://schemas.openxmlformats.org/drawingml/2006/spreadsheetDrawing" xmlns:lc="http://schemas.openxmlformats.org/drawingml/2006/lockedCanvas" xmlns:p="http://schemas.openxmlformats.org/presentationml/2006/main" name="2_Office 테마">
   <a:themeElements>
     <a:clrScheme name="파형">
       <a:dk1>
         <a:sysClr val="windowText" lastClr="000000"/>
       </a:dk1>
       <a:lt1>
-        <a:sysClr val="window" lastClr="FFFFFF"/>
+        <a:sysClr val="window" lastClr="ffffff"/>
       </a:lt1>
       <a:dk2>
-        <a:srgbClr val="073E87"/>
+        <a:srgbClr val="073e87"/>
       </a:dk2>
       <a:lt2>
-        <a:srgbClr val="C6E7FC"/>
+        <a:srgbClr val="c6e7fc"/>
       </a:lt2>
       <a:accent1>
-        <a:srgbClr val="31B6FD"/>
+        <a:srgbClr val="31b6fd"/>
       </a:accent1>
       <a:accent2>
-        <a:srgbClr val="4584D3"/>
+        <a:srgbClr val="4584d3"/>
       </a:accent2>
       <a:accent3>
-        <a:srgbClr val="5BD078"/>
+        <a:srgbClr val="5bd078"/>
       </a:accent3>
       <a:accent4>
-        <a:srgbClr val="A5D028"/>
+        <a:srgbClr val="a5d028"/>
       </a:accent4>
       <a:accent5>
-        <a:srgbClr val="F5C040"/>
+        <a:srgbClr val="f5c040"/>
       </a:accent5>
       <a:accent6>
-        <a:srgbClr val="05E0DB"/>
+        <a:srgbClr val="05e0db"/>
       </a:accent6>
       <a:hlink>
-        <a:srgbClr val="0080FF"/>
+        <a:srgbClr val="0080ff"/>
       </a:hlink>
       <a:folHlink>
-        <a:srgbClr val="5EAEFF"/>
+        <a:srgbClr val="5eaeff"/>
       </a:folHlink>
     </a:clrScheme>
     <a:fontScheme name="Office">
@@ -43723,7 +44577,5 @@
       </a:bgFillStyleLst>
     </a:fmtScheme>
   </a:themeElements>
-  <a:objectDefaults/>
-  <a:extraClrSchemeLst/>
 </a:theme>
 </file>